--- a/replicaset1.pptx
+++ b/replicaset1.pptx
@@ -1,20 +1,123 @@
 
 <file path=ppt/presentation.xml><?xml version="1.0" encoding="utf-8"?>
-<p:presentation xmlns:a="http://schemas.openxmlformats.org/drawingml/2006/main" xmlns:p="http://schemas.openxmlformats.org/presentationml/2006/main" xmlns:r="http://schemas.openxmlformats.org/officeDocument/2006/relationships" xmlns:p14="http://schemas.microsoft.com/office/powerpoint/2010/main" xmlns:p15="http://schemas.microsoft.com/office/powerpoint/2012/main" xmlns:mc="http://schemas.openxmlformats.org/markup-compatibility/2006">
+<p:presentation xmlns:a="http://schemas.openxmlformats.org/drawingml/2006/main" xmlns:r="http://schemas.openxmlformats.org/officeDocument/2006/relationships" xmlns:p="http://schemas.openxmlformats.org/presentationml/2006/main">
   <p:sldMasterIdLst>
-    <p:sldMasterId id="2147483648" r:id="rId2"/>
-    <p:sldMasterId id="2147483661" r:id="rId3"/>
+    <p:sldMasterId id="2147483648" r:id="rId1"/>
+    <p:sldMasterId id="2147483661" r:id="rId2"/>
   </p:sldMasterIdLst>
   <p:sldIdLst>
-    <p:sldId id="256" r:id="rId4"/>
+    <p:sldId id="258" r:id="rId3"/>
+    <p:sldId id="259" r:id="rId4"/>
+    <p:sldId id="257" r:id="rId5"/>
+    <p:sldId id="256" r:id="rId6"/>
   </p:sldIdLst>
   <p:sldSz cx="12192000" cy="6858000"/>
   <p:notesSz cx="7772400" cy="10058400"/>
+  <p:defaultTextStyle>
+    <a:defPPr>
+      <a:defRPr lang="en-US"/>
+    </a:defPPr>
+    <a:lvl1pPr marL="0" algn="l" defTabSz="914400" rtl="0" eaLnBrk="1" latinLnBrk="0" hangingPunct="1">
+      <a:defRPr sz="1800" kern="1200">
+        <a:solidFill>
+          <a:schemeClr val="tx1"/>
+        </a:solidFill>
+        <a:latin typeface="+mn-lt"/>
+        <a:ea typeface="+mn-ea"/>
+        <a:cs typeface="+mn-cs"/>
+      </a:defRPr>
+    </a:lvl1pPr>
+    <a:lvl2pPr marL="457200" algn="l" defTabSz="914400" rtl="0" eaLnBrk="1" latinLnBrk="0" hangingPunct="1">
+      <a:defRPr sz="1800" kern="1200">
+        <a:solidFill>
+          <a:schemeClr val="tx1"/>
+        </a:solidFill>
+        <a:latin typeface="+mn-lt"/>
+        <a:ea typeface="+mn-ea"/>
+        <a:cs typeface="+mn-cs"/>
+      </a:defRPr>
+    </a:lvl2pPr>
+    <a:lvl3pPr marL="914400" algn="l" defTabSz="914400" rtl="0" eaLnBrk="1" latinLnBrk="0" hangingPunct="1">
+      <a:defRPr sz="1800" kern="1200">
+        <a:solidFill>
+          <a:schemeClr val="tx1"/>
+        </a:solidFill>
+        <a:latin typeface="+mn-lt"/>
+        <a:ea typeface="+mn-ea"/>
+        <a:cs typeface="+mn-cs"/>
+      </a:defRPr>
+    </a:lvl3pPr>
+    <a:lvl4pPr marL="1371600" algn="l" defTabSz="914400" rtl="0" eaLnBrk="1" latinLnBrk="0" hangingPunct="1">
+      <a:defRPr sz="1800" kern="1200">
+        <a:solidFill>
+          <a:schemeClr val="tx1"/>
+        </a:solidFill>
+        <a:latin typeface="+mn-lt"/>
+        <a:ea typeface="+mn-ea"/>
+        <a:cs typeface="+mn-cs"/>
+      </a:defRPr>
+    </a:lvl4pPr>
+    <a:lvl5pPr marL="1828800" algn="l" defTabSz="914400" rtl="0" eaLnBrk="1" latinLnBrk="0" hangingPunct="1">
+      <a:defRPr sz="1800" kern="1200">
+        <a:solidFill>
+          <a:schemeClr val="tx1"/>
+        </a:solidFill>
+        <a:latin typeface="+mn-lt"/>
+        <a:ea typeface="+mn-ea"/>
+        <a:cs typeface="+mn-cs"/>
+      </a:defRPr>
+    </a:lvl5pPr>
+    <a:lvl6pPr marL="2286000" algn="l" defTabSz="914400" rtl="0" eaLnBrk="1" latinLnBrk="0" hangingPunct="1">
+      <a:defRPr sz="1800" kern="1200">
+        <a:solidFill>
+          <a:schemeClr val="tx1"/>
+        </a:solidFill>
+        <a:latin typeface="+mn-lt"/>
+        <a:ea typeface="+mn-ea"/>
+        <a:cs typeface="+mn-cs"/>
+      </a:defRPr>
+    </a:lvl6pPr>
+    <a:lvl7pPr marL="2743200" algn="l" defTabSz="914400" rtl="0" eaLnBrk="1" latinLnBrk="0" hangingPunct="1">
+      <a:defRPr sz="1800" kern="1200">
+        <a:solidFill>
+          <a:schemeClr val="tx1"/>
+        </a:solidFill>
+        <a:latin typeface="+mn-lt"/>
+        <a:ea typeface="+mn-ea"/>
+        <a:cs typeface="+mn-cs"/>
+      </a:defRPr>
+    </a:lvl7pPr>
+    <a:lvl8pPr marL="3200400" algn="l" defTabSz="914400" rtl="0" eaLnBrk="1" latinLnBrk="0" hangingPunct="1">
+      <a:defRPr sz="1800" kern="1200">
+        <a:solidFill>
+          <a:schemeClr val="tx1"/>
+        </a:solidFill>
+        <a:latin typeface="+mn-lt"/>
+        <a:ea typeface="+mn-ea"/>
+        <a:cs typeface="+mn-cs"/>
+      </a:defRPr>
+    </a:lvl8pPr>
+    <a:lvl9pPr marL="3657600" algn="l" defTabSz="914400" rtl="0" eaLnBrk="1" latinLnBrk="0" hangingPunct="1">
+      <a:defRPr sz="1800" kern="1200">
+        <a:solidFill>
+          <a:schemeClr val="tx1"/>
+        </a:solidFill>
+        <a:latin typeface="+mn-lt"/>
+        <a:ea typeface="+mn-ea"/>
+        <a:cs typeface="+mn-cs"/>
+      </a:defRPr>
+    </a:lvl9pPr>
+  </p:defaultTextStyle>
+  <p:extLst>
+    <p:ext uri="{EFAFB233-063F-42B5-8137-9DF3F51BA10A}">
+      <p15:sldGuideLst xmlns:p15="http://schemas.microsoft.com/office/powerpoint/2012/main"/>
+    </p:ext>
+  </p:extLst>
 </p:presentation>
 </file>
 
 <file path=ppt/slideLayouts/slideLayout1.xml><?xml version="1.0" encoding="utf-8"?>
-<p:sldLayout xmlns:a="http://schemas.openxmlformats.org/drawingml/2006/main" xmlns:p="http://schemas.openxmlformats.org/presentationml/2006/main" xmlns:r="http://schemas.openxmlformats.org/officeDocument/2006/relationships" xmlns:p14="http://schemas.microsoft.com/office/powerpoint/2010/main" xmlns:p15="http://schemas.microsoft.com/office/powerpoint/2012/main" xmlns:mc="http://schemas.openxmlformats.org/markup-compatibility/2006" type="blank" preserve="1">
+<p:sldLayout xmlns:a="http://schemas.openxmlformats.org/drawingml/2006/main" xmlns:r="http://schemas.openxmlformats.org/officeDocument/2006/relationships" xmlns:p="http://schemas.openxmlformats.org/presentationml/2006/main" type="blank" preserve="1">
   <p:cSld name="Blank Slide">
     <p:spTree>
       <p:nvGrpSpPr>
@@ -32,11 +135,14 @@
       </p:grpSpPr>
     </p:spTree>
   </p:cSld>
+  <p:clrMapOvr>
+    <a:masterClrMapping/>
+  </p:clrMapOvr>
 </p:sldLayout>
 </file>
 
 <file path=ppt/slideLayouts/slideLayout10.xml><?xml version="1.0" encoding="utf-8"?>
-<p:sldLayout xmlns:a="http://schemas.openxmlformats.org/drawingml/2006/main" xmlns:p="http://schemas.openxmlformats.org/presentationml/2006/main" xmlns:r="http://schemas.openxmlformats.org/officeDocument/2006/relationships" xmlns:p14="http://schemas.microsoft.com/office/powerpoint/2010/main" xmlns:p15="http://schemas.microsoft.com/office/powerpoint/2012/main" xmlns:mc="http://schemas.openxmlformats.org/markup-compatibility/2006" type="objOverTx" preserve="1">
+<p:sldLayout xmlns:a="http://schemas.openxmlformats.org/drawingml/2006/main" xmlns:r="http://schemas.openxmlformats.org/officeDocument/2006/relationships" xmlns:p="http://schemas.openxmlformats.org/presentationml/2006/main" type="objOverTx" preserve="1">
   <p:cSld name="Title, Content over Content">
     <p:spTree>
       <p:nvGrpSpPr>
@@ -72,12 +178,13 @@
           </a:prstGeom>
         </p:spPr>
         <p:txBody>
-          <a:bodyPr lIns="0" rIns="0" tIns="0" bIns="0" anchor="ctr">
+          <a:bodyPr lIns="0" tIns="0" rIns="0" bIns="0" anchor="ctr">
             <a:noAutofit/>
           </a:bodyPr>
+          <a:lstStyle/>
           <a:p>
             <a:pPr algn="ctr"/>
-            <a:endParaRPr b="0" lang="en-US" sz="4400" spc="-1" strike="noStrike">
+            <a:endParaRPr lang="en-US" sz="4400" b="0" strike="noStrike" spc="-1">
               <a:latin typeface="Arial"/>
             </a:endParaRPr>
           </a:p>
@@ -103,11 +210,12 @@
           </a:prstGeom>
         </p:spPr>
         <p:txBody>
-          <a:bodyPr lIns="0" rIns="0" tIns="0" bIns="0">
+          <a:bodyPr lIns="0" tIns="0" rIns="0" bIns="0">
             <a:normAutofit/>
           </a:bodyPr>
-          <a:p>
-            <a:endParaRPr b="0" lang="en-US" sz="3200" spc="-1" strike="noStrike">
+          <a:lstStyle/>
+          <a:p>
+            <a:endParaRPr lang="en-US" sz="3200" b="0" strike="noStrike" spc="-1">
               <a:latin typeface="Arial"/>
             </a:endParaRPr>
           </a:p>
@@ -133,11 +241,12 @@
           </a:prstGeom>
         </p:spPr>
         <p:txBody>
-          <a:bodyPr lIns="0" rIns="0" tIns="0" bIns="0">
+          <a:bodyPr lIns="0" tIns="0" rIns="0" bIns="0">
             <a:normAutofit/>
           </a:bodyPr>
-          <a:p>
-            <a:endParaRPr b="0" lang="en-US" sz="3200" spc="-1" strike="noStrike">
+          <a:lstStyle/>
+          <a:p>
+            <a:endParaRPr lang="en-US" sz="3200" b="0" strike="noStrike" spc="-1">
               <a:latin typeface="Arial"/>
             </a:endParaRPr>
           </a:p>
@@ -145,11 +254,14 @@
       </p:sp>
     </p:spTree>
   </p:cSld>
+  <p:clrMapOvr>
+    <a:masterClrMapping/>
+  </p:clrMapOvr>
 </p:sldLayout>
 </file>
 
 <file path=ppt/slideLayouts/slideLayout11.xml><?xml version="1.0" encoding="utf-8"?>
-<p:sldLayout xmlns:a="http://schemas.openxmlformats.org/drawingml/2006/main" xmlns:p="http://schemas.openxmlformats.org/presentationml/2006/main" xmlns:r="http://schemas.openxmlformats.org/officeDocument/2006/relationships" xmlns:p14="http://schemas.microsoft.com/office/powerpoint/2010/main" xmlns:p15="http://schemas.microsoft.com/office/powerpoint/2012/main" xmlns:mc="http://schemas.openxmlformats.org/markup-compatibility/2006" type="fourObj" preserve="1">
+<p:sldLayout xmlns:a="http://schemas.openxmlformats.org/drawingml/2006/main" xmlns:r="http://schemas.openxmlformats.org/officeDocument/2006/relationships" xmlns:p="http://schemas.openxmlformats.org/presentationml/2006/main" type="fourObj" preserve="1">
   <p:cSld name="Title, 4 Content">
     <p:spTree>
       <p:nvGrpSpPr>
@@ -185,12 +297,13 @@
           </a:prstGeom>
         </p:spPr>
         <p:txBody>
-          <a:bodyPr lIns="0" rIns="0" tIns="0" bIns="0" anchor="ctr">
+          <a:bodyPr lIns="0" tIns="0" rIns="0" bIns="0" anchor="ctr">
             <a:noAutofit/>
           </a:bodyPr>
+          <a:lstStyle/>
           <a:p>
             <a:pPr algn="ctr"/>
-            <a:endParaRPr b="0" lang="en-US" sz="4400" spc="-1" strike="noStrike">
+            <a:endParaRPr lang="en-US" sz="4400" b="0" strike="noStrike" spc="-1">
               <a:latin typeface="Arial"/>
             </a:endParaRPr>
           </a:p>
@@ -216,11 +329,12 @@
           </a:prstGeom>
         </p:spPr>
         <p:txBody>
-          <a:bodyPr lIns="0" rIns="0" tIns="0" bIns="0">
+          <a:bodyPr lIns="0" tIns="0" rIns="0" bIns="0">
             <a:normAutofit/>
           </a:bodyPr>
-          <a:p>
-            <a:endParaRPr b="0" lang="en-US" sz="3200" spc="-1" strike="noStrike">
+          <a:lstStyle/>
+          <a:p>
+            <a:endParaRPr lang="en-US" sz="3200" b="0" strike="noStrike" spc="-1">
               <a:latin typeface="Arial"/>
             </a:endParaRPr>
           </a:p>
@@ -246,11 +360,12 @@
           </a:prstGeom>
         </p:spPr>
         <p:txBody>
-          <a:bodyPr lIns="0" rIns="0" tIns="0" bIns="0">
+          <a:bodyPr lIns="0" tIns="0" rIns="0" bIns="0">
             <a:normAutofit/>
           </a:bodyPr>
-          <a:p>
-            <a:endParaRPr b="0" lang="en-US" sz="3200" spc="-1" strike="noStrike">
+          <a:lstStyle/>
+          <a:p>
+            <a:endParaRPr lang="en-US" sz="3200" b="0" strike="noStrike" spc="-1">
               <a:latin typeface="Arial"/>
             </a:endParaRPr>
           </a:p>
@@ -276,11 +391,12 @@
           </a:prstGeom>
         </p:spPr>
         <p:txBody>
-          <a:bodyPr lIns="0" rIns="0" tIns="0" bIns="0">
+          <a:bodyPr lIns="0" tIns="0" rIns="0" bIns="0">
             <a:normAutofit/>
           </a:bodyPr>
-          <a:p>
-            <a:endParaRPr b="0" lang="en-US" sz="3200" spc="-1" strike="noStrike">
+          <a:lstStyle/>
+          <a:p>
+            <a:endParaRPr lang="en-US" sz="3200" b="0" strike="noStrike" spc="-1">
               <a:latin typeface="Arial"/>
             </a:endParaRPr>
           </a:p>
@@ -306,11 +422,12 @@
           </a:prstGeom>
         </p:spPr>
         <p:txBody>
-          <a:bodyPr lIns="0" rIns="0" tIns="0" bIns="0">
+          <a:bodyPr lIns="0" tIns="0" rIns="0" bIns="0">
             <a:normAutofit/>
           </a:bodyPr>
-          <a:p>
-            <a:endParaRPr b="0" lang="en-US" sz="3200" spc="-1" strike="noStrike">
+          <a:lstStyle/>
+          <a:p>
+            <a:endParaRPr lang="en-US" sz="3200" b="0" strike="noStrike" spc="-1">
               <a:latin typeface="Arial"/>
             </a:endParaRPr>
           </a:p>
@@ -318,11 +435,14 @@
       </p:sp>
     </p:spTree>
   </p:cSld>
+  <p:clrMapOvr>
+    <a:masterClrMapping/>
+  </p:clrMapOvr>
 </p:sldLayout>
 </file>
 
 <file path=ppt/slideLayouts/slideLayout12.xml><?xml version="1.0" encoding="utf-8"?>
-<p:sldLayout xmlns:a="http://schemas.openxmlformats.org/drawingml/2006/main" xmlns:p="http://schemas.openxmlformats.org/presentationml/2006/main" xmlns:r="http://schemas.openxmlformats.org/officeDocument/2006/relationships" xmlns:p14="http://schemas.microsoft.com/office/powerpoint/2010/main" xmlns:p15="http://schemas.microsoft.com/office/powerpoint/2012/main" xmlns:mc="http://schemas.openxmlformats.org/markup-compatibility/2006" type="blank" preserve="1">
+<p:sldLayout xmlns:a="http://schemas.openxmlformats.org/drawingml/2006/main" xmlns:r="http://schemas.openxmlformats.org/officeDocument/2006/relationships" xmlns:p="http://schemas.openxmlformats.org/presentationml/2006/main" type="blank" preserve="1">
   <p:cSld name="Title, 6 Content">
     <p:spTree>
       <p:nvGrpSpPr>
@@ -358,12 +478,13 @@
           </a:prstGeom>
         </p:spPr>
         <p:txBody>
-          <a:bodyPr lIns="0" rIns="0" tIns="0" bIns="0" anchor="ctr">
+          <a:bodyPr lIns="0" tIns="0" rIns="0" bIns="0" anchor="ctr">
             <a:noAutofit/>
           </a:bodyPr>
+          <a:lstStyle/>
           <a:p>
             <a:pPr algn="ctr"/>
-            <a:endParaRPr b="0" lang="en-US" sz="4400" spc="-1" strike="noStrike">
+            <a:endParaRPr lang="en-US" sz="4400" b="0" strike="noStrike" spc="-1">
               <a:latin typeface="Arial"/>
             </a:endParaRPr>
           </a:p>
@@ -389,11 +510,12 @@
           </a:prstGeom>
         </p:spPr>
         <p:txBody>
-          <a:bodyPr lIns="0" rIns="0" tIns="0" bIns="0">
+          <a:bodyPr lIns="0" tIns="0" rIns="0" bIns="0">
             <a:normAutofit/>
           </a:bodyPr>
-          <a:p>
-            <a:endParaRPr b="0" lang="en-US" sz="3200" spc="-1" strike="noStrike">
+          <a:lstStyle/>
+          <a:p>
+            <a:endParaRPr lang="en-US" sz="3200" b="0" strike="noStrike" spc="-1">
               <a:latin typeface="Arial"/>
             </a:endParaRPr>
           </a:p>
@@ -419,11 +541,12 @@
           </a:prstGeom>
         </p:spPr>
         <p:txBody>
-          <a:bodyPr lIns="0" rIns="0" tIns="0" bIns="0">
+          <a:bodyPr lIns="0" tIns="0" rIns="0" bIns="0">
             <a:normAutofit/>
           </a:bodyPr>
-          <a:p>
-            <a:endParaRPr b="0" lang="en-US" sz="3200" spc="-1" strike="noStrike">
+          <a:lstStyle/>
+          <a:p>
+            <a:endParaRPr lang="en-US" sz="3200" b="0" strike="noStrike" spc="-1">
               <a:latin typeface="Arial"/>
             </a:endParaRPr>
           </a:p>
@@ -449,11 +572,12 @@
           </a:prstGeom>
         </p:spPr>
         <p:txBody>
-          <a:bodyPr lIns="0" rIns="0" tIns="0" bIns="0">
+          <a:bodyPr lIns="0" tIns="0" rIns="0" bIns="0">
             <a:normAutofit/>
           </a:bodyPr>
-          <a:p>
-            <a:endParaRPr b="0" lang="en-US" sz="3200" spc="-1" strike="noStrike">
+          <a:lstStyle/>
+          <a:p>
+            <a:endParaRPr lang="en-US" sz="3200" b="0" strike="noStrike" spc="-1">
               <a:latin typeface="Arial"/>
             </a:endParaRPr>
           </a:p>
@@ -479,11 +603,12 @@
           </a:prstGeom>
         </p:spPr>
         <p:txBody>
-          <a:bodyPr lIns="0" rIns="0" tIns="0" bIns="0">
+          <a:bodyPr lIns="0" tIns="0" rIns="0" bIns="0">
             <a:normAutofit/>
           </a:bodyPr>
-          <a:p>
-            <a:endParaRPr b="0" lang="en-US" sz="3200" spc="-1" strike="noStrike">
+          <a:lstStyle/>
+          <a:p>
+            <a:endParaRPr lang="en-US" sz="3200" b="0" strike="noStrike" spc="-1">
               <a:latin typeface="Arial"/>
             </a:endParaRPr>
           </a:p>
@@ -509,11 +634,12 @@
           </a:prstGeom>
         </p:spPr>
         <p:txBody>
-          <a:bodyPr lIns="0" rIns="0" tIns="0" bIns="0">
+          <a:bodyPr lIns="0" tIns="0" rIns="0" bIns="0">
             <a:normAutofit/>
           </a:bodyPr>
-          <a:p>
-            <a:endParaRPr b="0" lang="en-US" sz="3200" spc="-1" strike="noStrike">
+          <a:lstStyle/>
+          <a:p>
+            <a:endParaRPr lang="en-US" sz="3200" b="0" strike="noStrike" spc="-1">
               <a:latin typeface="Arial"/>
             </a:endParaRPr>
           </a:p>
@@ -539,11 +665,12 @@
           </a:prstGeom>
         </p:spPr>
         <p:txBody>
-          <a:bodyPr lIns="0" rIns="0" tIns="0" bIns="0">
+          <a:bodyPr lIns="0" tIns="0" rIns="0" bIns="0">
             <a:normAutofit/>
           </a:bodyPr>
-          <a:p>
-            <a:endParaRPr b="0" lang="en-US" sz="3200" spc="-1" strike="noStrike">
+          <a:lstStyle/>
+          <a:p>
+            <a:endParaRPr lang="en-US" sz="3200" b="0" strike="noStrike" spc="-1">
               <a:latin typeface="Arial"/>
             </a:endParaRPr>
           </a:p>
@@ -551,11 +678,14 @@
       </p:sp>
     </p:spTree>
   </p:cSld>
+  <p:clrMapOvr>
+    <a:masterClrMapping/>
+  </p:clrMapOvr>
 </p:sldLayout>
 </file>
 
 <file path=ppt/slideLayouts/slideLayout13.xml><?xml version="1.0" encoding="utf-8"?>
-<p:sldLayout xmlns:a="http://schemas.openxmlformats.org/drawingml/2006/main" xmlns:p="http://schemas.openxmlformats.org/presentationml/2006/main" xmlns:r="http://schemas.openxmlformats.org/officeDocument/2006/relationships" xmlns:p14="http://schemas.microsoft.com/office/powerpoint/2010/main" xmlns:p15="http://schemas.microsoft.com/office/powerpoint/2012/main" xmlns:mc="http://schemas.openxmlformats.org/markup-compatibility/2006" type="blank" preserve="1">
+<p:sldLayout xmlns:a="http://schemas.openxmlformats.org/drawingml/2006/main" xmlns:r="http://schemas.openxmlformats.org/officeDocument/2006/relationships" xmlns:p="http://schemas.openxmlformats.org/presentationml/2006/main" type="blank" preserve="1">
   <p:cSld name="Blank Slide">
     <p:spTree>
       <p:nvGrpSpPr>
@@ -573,11 +703,14 @@
       </p:grpSpPr>
     </p:spTree>
   </p:cSld>
+  <p:clrMapOvr>
+    <a:masterClrMapping/>
+  </p:clrMapOvr>
 </p:sldLayout>
 </file>
 
 <file path=ppt/slideLayouts/slideLayout14.xml><?xml version="1.0" encoding="utf-8"?>
-<p:sldLayout xmlns:a="http://schemas.openxmlformats.org/drawingml/2006/main" xmlns:p="http://schemas.openxmlformats.org/presentationml/2006/main" xmlns:r="http://schemas.openxmlformats.org/officeDocument/2006/relationships" xmlns:p14="http://schemas.microsoft.com/office/powerpoint/2010/main" xmlns:p15="http://schemas.microsoft.com/office/powerpoint/2012/main" xmlns:mc="http://schemas.openxmlformats.org/markup-compatibility/2006" type="tx" preserve="1">
+<p:sldLayout xmlns:a="http://schemas.openxmlformats.org/drawingml/2006/main" xmlns:r="http://schemas.openxmlformats.org/officeDocument/2006/relationships" xmlns:p="http://schemas.openxmlformats.org/presentationml/2006/main" type="tx" preserve="1">
   <p:cSld name="Title Slide">
     <p:spTree>
       <p:nvGrpSpPr>
@@ -613,12 +746,13 @@
           </a:prstGeom>
         </p:spPr>
         <p:txBody>
-          <a:bodyPr lIns="0" rIns="0" tIns="0" bIns="0" anchor="ctr">
+          <a:bodyPr lIns="0" tIns="0" rIns="0" bIns="0" anchor="ctr">
             <a:noAutofit/>
           </a:bodyPr>
+          <a:lstStyle/>
           <a:p>
             <a:pPr algn="ctr"/>
-            <a:endParaRPr b="0" lang="en-US" sz="4400" spc="-1" strike="noStrike">
+            <a:endParaRPr lang="en-US" sz="4400" b="0" strike="noStrike" spc="-1">
               <a:latin typeface="Arial"/>
             </a:endParaRPr>
           </a:p>
@@ -644,12 +778,13 @@
           </a:prstGeom>
         </p:spPr>
         <p:txBody>
-          <a:bodyPr lIns="0" rIns="0" tIns="0" bIns="0" anchor="ctr">
+          <a:bodyPr lIns="0" tIns="0" rIns="0" bIns="0" anchor="ctr">
             <a:noAutofit/>
           </a:bodyPr>
+          <a:lstStyle/>
           <a:p>
             <a:pPr algn="ctr"/>
-            <a:endParaRPr b="0" lang="en-US" sz="3200" spc="-1" strike="noStrike">
+            <a:endParaRPr lang="en-US" sz="3200" b="0" strike="noStrike" spc="-1">
               <a:latin typeface="Arial"/>
             </a:endParaRPr>
           </a:p>
@@ -657,11 +792,14 @@
       </p:sp>
     </p:spTree>
   </p:cSld>
+  <p:clrMapOvr>
+    <a:masterClrMapping/>
+  </p:clrMapOvr>
 </p:sldLayout>
 </file>
 
 <file path=ppt/slideLayouts/slideLayout15.xml><?xml version="1.0" encoding="utf-8"?>
-<p:sldLayout xmlns:a="http://schemas.openxmlformats.org/drawingml/2006/main" xmlns:p="http://schemas.openxmlformats.org/presentationml/2006/main" xmlns:r="http://schemas.openxmlformats.org/officeDocument/2006/relationships" xmlns:p14="http://schemas.microsoft.com/office/powerpoint/2010/main" xmlns:p15="http://schemas.microsoft.com/office/powerpoint/2012/main" xmlns:mc="http://schemas.openxmlformats.org/markup-compatibility/2006" type="obj" preserve="1">
+<p:sldLayout xmlns:a="http://schemas.openxmlformats.org/drawingml/2006/main" xmlns:r="http://schemas.openxmlformats.org/officeDocument/2006/relationships" xmlns:p="http://schemas.openxmlformats.org/presentationml/2006/main" type="obj" preserve="1">
   <p:cSld name="Title, Content">
     <p:spTree>
       <p:nvGrpSpPr>
@@ -697,12 +835,13 @@
           </a:prstGeom>
         </p:spPr>
         <p:txBody>
-          <a:bodyPr lIns="0" rIns="0" tIns="0" bIns="0" anchor="ctr">
+          <a:bodyPr lIns="0" tIns="0" rIns="0" bIns="0" anchor="ctr">
             <a:noAutofit/>
           </a:bodyPr>
+          <a:lstStyle/>
           <a:p>
             <a:pPr algn="ctr"/>
-            <a:endParaRPr b="0" lang="en-US" sz="4400" spc="-1" strike="noStrike">
+            <a:endParaRPr lang="en-US" sz="4400" b="0" strike="noStrike" spc="-1">
               <a:latin typeface="Arial"/>
             </a:endParaRPr>
           </a:p>
@@ -728,11 +867,12 @@
           </a:prstGeom>
         </p:spPr>
         <p:txBody>
-          <a:bodyPr lIns="0" rIns="0" tIns="0" bIns="0">
+          <a:bodyPr lIns="0" tIns="0" rIns="0" bIns="0">
             <a:normAutofit/>
           </a:bodyPr>
-          <a:p>
-            <a:endParaRPr b="0" lang="en-US" sz="3200" spc="-1" strike="noStrike">
+          <a:lstStyle/>
+          <a:p>
+            <a:endParaRPr lang="en-US" sz="3200" b="0" strike="noStrike" spc="-1">
               <a:latin typeface="Arial"/>
             </a:endParaRPr>
           </a:p>
@@ -740,11 +880,14 @@
       </p:sp>
     </p:spTree>
   </p:cSld>
+  <p:clrMapOvr>
+    <a:masterClrMapping/>
+  </p:clrMapOvr>
 </p:sldLayout>
 </file>
 
 <file path=ppt/slideLayouts/slideLayout16.xml><?xml version="1.0" encoding="utf-8"?>
-<p:sldLayout xmlns:a="http://schemas.openxmlformats.org/drawingml/2006/main" xmlns:p="http://schemas.openxmlformats.org/presentationml/2006/main" xmlns:r="http://schemas.openxmlformats.org/officeDocument/2006/relationships" xmlns:p14="http://schemas.microsoft.com/office/powerpoint/2010/main" xmlns:p15="http://schemas.microsoft.com/office/powerpoint/2012/main" xmlns:mc="http://schemas.openxmlformats.org/markup-compatibility/2006" type="twoObj" preserve="1">
+<p:sldLayout xmlns:a="http://schemas.openxmlformats.org/drawingml/2006/main" xmlns:r="http://schemas.openxmlformats.org/officeDocument/2006/relationships" xmlns:p="http://schemas.openxmlformats.org/presentationml/2006/main" type="twoObj" preserve="1">
   <p:cSld name="Title, 2 Content">
     <p:spTree>
       <p:nvGrpSpPr>
@@ -780,12 +923,13 @@
           </a:prstGeom>
         </p:spPr>
         <p:txBody>
-          <a:bodyPr lIns="0" rIns="0" tIns="0" bIns="0" anchor="ctr">
+          <a:bodyPr lIns="0" tIns="0" rIns="0" bIns="0" anchor="ctr">
             <a:noAutofit/>
           </a:bodyPr>
+          <a:lstStyle/>
           <a:p>
             <a:pPr algn="ctr"/>
-            <a:endParaRPr b="0" lang="en-US" sz="4400" spc="-1" strike="noStrike">
+            <a:endParaRPr lang="en-US" sz="4400" b="0" strike="noStrike" spc="-1">
               <a:latin typeface="Arial"/>
             </a:endParaRPr>
           </a:p>
@@ -811,11 +955,12 @@
           </a:prstGeom>
         </p:spPr>
         <p:txBody>
-          <a:bodyPr lIns="0" rIns="0" tIns="0" bIns="0">
+          <a:bodyPr lIns="0" tIns="0" rIns="0" bIns="0">
             <a:normAutofit/>
           </a:bodyPr>
-          <a:p>
-            <a:endParaRPr b="0" lang="en-US" sz="3200" spc="-1" strike="noStrike">
+          <a:lstStyle/>
+          <a:p>
+            <a:endParaRPr lang="en-US" sz="3200" b="0" strike="noStrike" spc="-1">
               <a:latin typeface="Arial"/>
             </a:endParaRPr>
           </a:p>
@@ -841,11 +986,12 @@
           </a:prstGeom>
         </p:spPr>
         <p:txBody>
-          <a:bodyPr lIns="0" rIns="0" tIns="0" bIns="0">
+          <a:bodyPr lIns="0" tIns="0" rIns="0" bIns="0">
             <a:normAutofit/>
           </a:bodyPr>
-          <a:p>
-            <a:endParaRPr b="0" lang="en-US" sz="3200" spc="-1" strike="noStrike">
+          <a:lstStyle/>
+          <a:p>
+            <a:endParaRPr lang="en-US" sz="3200" b="0" strike="noStrike" spc="-1">
               <a:latin typeface="Arial"/>
             </a:endParaRPr>
           </a:p>
@@ -853,11 +999,14 @@
       </p:sp>
     </p:spTree>
   </p:cSld>
+  <p:clrMapOvr>
+    <a:masterClrMapping/>
+  </p:clrMapOvr>
 </p:sldLayout>
 </file>
 
 <file path=ppt/slideLayouts/slideLayout17.xml><?xml version="1.0" encoding="utf-8"?>
-<p:sldLayout xmlns:a="http://schemas.openxmlformats.org/drawingml/2006/main" xmlns:p="http://schemas.openxmlformats.org/presentationml/2006/main" xmlns:r="http://schemas.openxmlformats.org/officeDocument/2006/relationships" xmlns:p14="http://schemas.microsoft.com/office/powerpoint/2010/main" xmlns:p15="http://schemas.microsoft.com/office/powerpoint/2012/main" xmlns:mc="http://schemas.openxmlformats.org/markup-compatibility/2006" type="titleOnly" preserve="1">
+<p:sldLayout xmlns:a="http://schemas.openxmlformats.org/drawingml/2006/main" xmlns:r="http://schemas.openxmlformats.org/officeDocument/2006/relationships" xmlns:p="http://schemas.openxmlformats.org/presentationml/2006/main" type="titleOnly" preserve="1">
   <p:cSld name="Title Only">
     <p:spTree>
       <p:nvGrpSpPr>
@@ -893,12 +1042,13 @@
           </a:prstGeom>
         </p:spPr>
         <p:txBody>
-          <a:bodyPr lIns="0" rIns="0" tIns="0" bIns="0" anchor="ctr">
+          <a:bodyPr lIns="0" tIns="0" rIns="0" bIns="0" anchor="ctr">
             <a:noAutofit/>
           </a:bodyPr>
+          <a:lstStyle/>
           <a:p>
             <a:pPr algn="ctr"/>
-            <a:endParaRPr b="0" lang="en-US" sz="4400" spc="-1" strike="noStrike">
+            <a:endParaRPr lang="en-US" sz="4400" b="0" strike="noStrike" spc="-1">
               <a:latin typeface="Arial"/>
             </a:endParaRPr>
           </a:p>
@@ -906,11 +1056,14 @@
       </p:sp>
     </p:spTree>
   </p:cSld>
+  <p:clrMapOvr>
+    <a:masterClrMapping/>
+  </p:clrMapOvr>
 </p:sldLayout>
 </file>
 
 <file path=ppt/slideLayouts/slideLayout18.xml><?xml version="1.0" encoding="utf-8"?>
-<p:sldLayout xmlns:a="http://schemas.openxmlformats.org/drawingml/2006/main" xmlns:p="http://schemas.openxmlformats.org/presentationml/2006/main" xmlns:r="http://schemas.openxmlformats.org/officeDocument/2006/relationships" xmlns:p14="http://schemas.microsoft.com/office/powerpoint/2010/main" xmlns:p15="http://schemas.microsoft.com/office/powerpoint/2012/main" xmlns:mc="http://schemas.openxmlformats.org/markup-compatibility/2006" type="objOnly" preserve="1">
+<p:sldLayout xmlns:a="http://schemas.openxmlformats.org/drawingml/2006/main" xmlns:r="http://schemas.openxmlformats.org/officeDocument/2006/relationships" xmlns:p="http://schemas.openxmlformats.org/presentationml/2006/main" type="objOnly" preserve="1">
   <p:cSld name="Centered Text">
     <p:spTree>
       <p:nvGrpSpPr>
@@ -946,12 +1099,13 @@
           </a:prstGeom>
         </p:spPr>
         <p:txBody>
-          <a:bodyPr lIns="0" rIns="0" tIns="0" bIns="0" anchor="ctr">
+          <a:bodyPr lIns="0" tIns="0" rIns="0" bIns="0" anchor="ctr">
             <a:noAutofit/>
           </a:bodyPr>
+          <a:lstStyle/>
           <a:p>
             <a:pPr algn="ctr"/>
-            <a:endParaRPr b="0" lang="en-US" sz="3200" spc="-1" strike="noStrike">
+            <a:endParaRPr lang="en-US" sz="3200" b="0" strike="noStrike" spc="-1">
               <a:latin typeface="Arial"/>
             </a:endParaRPr>
           </a:p>
@@ -959,11 +1113,14 @@
       </p:sp>
     </p:spTree>
   </p:cSld>
+  <p:clrMapOvr>
+    <a:masterClrMapping/>
+  </p:clrMapOvr>
 </p:sldLayout>
 </file>
 
 <file path=ppt/slideLayouts/slideLayout19.xml><?xml version="1.0" encoding="utf-8"?>
-<p:sldLayout xmlns:a="http://schemas.openxmlformats.org/drawingml/2006/main" xmlns:p="http://schemas.openxmlformats.org/presentationml/2006/main" xmlns:r="http://schemas.openxmlformats.org/officeDocument/2006/relationships" xmlns:p14="http://schemas.microsoft.com/office/powerpoint/2010/main" xmlns:p15="http://schemas.microsoft.com/office/powerpoint/2012/main" xmlns:mc="http://schemas.openxmlformats.org/markup-compatibility/2006" type="twoObjAndObj" preserve="1">
+<p:sldLayout xmlns:a="http://schemas.openxmlformats.org/drawingml/2006/main" xmlns:r="http://schemas.openxmlformats.org/officeDocument/2006/relationships" xmlns:p="http://schemas.openxmlformats.org/presentationml/2006/main" type="twoObjAndObj" preserve="1">
   <p:cSld name="Title, 2 Content and Content">
     <p:spTree>
       <p:nvGrpSpPr>
@@ -999,12 +1156,13 @@
           </a:prstGeom>
         </p:spPr>
         <p:txBody>
-          <a:bodyPr lIns="0" rIns="0" tIns="0" bIns="0" anchor="ctr">
+          <a:bodyPr lIns="0" tIns="0" rIns="0" bIns="0" anchor="ctr">
             <a:noAutofit/>
           </a:bodyPr>
+          <a:lstStyle/>
           <a:p>
             <a:pPr algn="ctr"/>
-            <a:endParaRPr b="0" lang="en-US" sz="4400" spc="-1" strike="noStrike">
+            <a:endParaRPr lang="en-US" sz="4400" b="0" strike="noStrike" spc="-1">
               <a:latin typeface="Arial"/>
             </a:endParaRPr>
           </a:p>
@@ -1030,11 +1188,12 @@
           </a:prstGeom>
         </p:spPr>
         <p:txBody>
-          <a:bodyPr lIns="0" rIns="0" tIns="0" bIns="0">
+          <a:bodyPr lIns="0" tIns="0" rIns="0" bIns="0">
             <a:normAutofit/>
           </a:bodyPr>
-          <a:p>
-            <a:endParaRPr b="0" lang="en-US" sz="3200" spc="-1" strike="noStrike">
+          <a:lstStyle/>
+          <a:p>
+            <a:endParaRPr lang="en-US" sz="3200" b="0" strike="noStrike" spc="-1">
               <a:latin typeface="Arial"/>
             </a:endParaRPr>
           </a:p>
@@ -1060,11 +1219,12 @@
           </a:prstGeom>
         </p:spPr>
         <p:txBody>
-          <a:bodyPr lIns="0" rIns="0" tIns="0" bIns="0">
+          <a:bodyPr lIns="0" tIns="0" rIns="0" bIns="0">
             <a:normAutofit/>
           </a:bodyPr>
-          <a:p>
-            <a:endParaRPr b="0" lang="en-US" sz="3200" spc="-1" strike="noStrike">
+          <a:lstStyle/>
+          <a:p>
+            <a:endParaRPr lang="en-US" sz="3200" b="0" strike="noStrike" spc="-1">
               <a:latin typeface="Arial"/>
             </a:endParaRPr>
           </a:p>
@@ -1090,11 +1250,12 @@
           </a:prstGeom>
         </p:spPr>
         <p:txBody>
-          <a:bodyPr lIns="0" rIns="0" tIns="0" bIns="0">
+          <a:bodyPr lIns="0" tIns="0" rIns="0" bIns="0">
             <a:normAutofit/>
           </a:bodyPr>
-          <a:p>
-            <a:endParaRPr b="0" lang="en-US" sz="3200" spc="-1" strike="noStrike">
+          <a:lstStyle/>
+          <a:p>
+            <a:endParaRPr lang="en-US" sz="3200" b="0" strike="noStrike" spc="-1">
               <a:latin typeface="Arial"/>
             </a:endParaRPr>
           </a:p>
@@ -1102,11 +1263,14 @@
       </p:sp>
     </p:spTree>
   </p:cSld>
+  <p:clrMapOvr>
+    <a:masterClrMapping/>
+  </p:clrMapOvr>
 </p:sldLayout>
 </file>
 
 <file path=ppt/slideLayouts/slideLayout2.xml><?xml version="1.0" encoding="utf-8"?>
-<p:sldLayout xmlns:a="http://schemas.openxmlformats.org/drawingml/2006/main" xmlns:p="http://schemas.openxmlformats.org/presentationml/2006/main" xmlns:r="http://schemas.openxmlformats.org/officeDocument/2006/relationships" xmlns:p14="http://schemas.microsoft.com/office/powerpoint/2010/main" xmlns:p15="http://schemas.microsoft.com/office/powerpoint/2012/main" xmlns:mc="http://schemas.openxmlformats.org/markup-compatibility/2006" type="tx" preserve="1">
+<p:sldLayout xmlns:a="http://schemas.openxmlformats.org/drawingml/2006/main" xmlns:r="http://schemas.openxmlformats.org/officeDocument/2006/relationships" xmlns:p="http://schemas.openxmlformats.org/presentationml/2006/main" type="tx" preserve="1">
   <p:cSld name="Title Slide">
     <p:spTree>
       <p:nvGrpSpPr>
@@ -1142,12 +1306,13 @@
           </a:prstGeom>
         </p:spPr>
         <p:txBody>
-          <a:bodyPr lIns="0" rIns="0" tIns="0" bIns="0" anchor="ctr">
+          <a:bodyPr lIns="0" tIns="0" rIns="0" bIns="0" anchor="ctr">
             <a:noAutofit/>
           </a:bodyPr>
+          <a:lstStyle/>
           <a:p>
             <a:pPr algn="ctr"/>
-            <a:endParaRPr b="0" lang="en-US" sz="4400" spc="-1" strike="noStrike">
+            <a:endParaRPr lang="en-US" sz="4400" b="0" strike="noStrike" spc="-1">
               <a:latin typeface="Arial"/>
             </a:endParaRPr>
           </a:p>
@@ -1173,12 +1338,13 @@
           </a:prstGeom>
         </p:spPr>
         <p:txBody>
-          <a:bodyPr lIns="0" rIns="0" tIns="0" bIns="0" anchor="ctr">
+          <a:bodyPr lIns="0" tIns="0" rIns="0" bIns="0" anchor="ctr">
             <a:noAutofit/>
           </a:bodyPr>
+          <a:lstStyle/>
           <a:p>
             <a:pPr algn="ctr"/>
-            <a:endParaRPr b="0" lang="en-US" sz="3200" spc="-1" strike="noStrike">
+            <a:endParaRPr lang="en-US" sz="3200" b="0" strike="noStrike" spc="-1">
               <a:latin typeface="Arial"/>
             </a:endParaRPr>
           </a:p>
@@ -1186,11 +1352,14 @@
       </p:sp>
     </p:spTree>
   </p:cSld>
+  <p:clrMapOvr>
+    <a:masterClrMapping/>
+  </p:clrMapOvr>
 </p:sldLayout>
 </file>
 
 <file path=ppt/slideLayouts/slideLayout20.xml><?xml version="1.0" encoding="utf-8"?>
-<p:sldLayout xmlns:a="http://schemas.openxmlformats.org/drawingml/2006/main" xmlns:p="http://schemas.openxmlformats.org/presentationml/2006/main" xmlns:r="http://schemas.openxmlformats.org/officeDocument/2006/relationships" xmlns:p14="http://schemas.microsoft.com/office/powerpoint/2010/main" xmlns:p15="http://schemas.microsoft.com/office/powerpoint/2012/main" xmlns:mc="http://schemas.openxmlformats.org/markup-compatibility/2006" type="objAndTwoObj" preserve="1">
+<p:sldLayout xmlns:a="http://schemas.openxmlformats.org/drawingml/2006/main" xmlns:r="http://schemas.openxmlformats.org/officeDocument/2006/relationships" xmlns:p="http://schemas.openxmlformats.org/presentationml/2006/main" type="objAndTwoObj" preserve="1">
   <p:cSld name="Title Content and 2 Content">
     <p:spTree>
       <p:nvGrpSpPr>
@@ -1226,12 +1395,13 @@
           </a:prstGeom>
         </p:spPr>
         <p:txBody>
-          <a:bodyPr lIns="0" rIns="0" tIns="0" bIns="0" anchor="ctr">
+          <a:bodyPr lIns="0" tIns="0" rIns="0" bIns="0" anchor="ctr">
             <a:noAutofit/>
           </a:bodyPr>
+          <a:lstStyle/>
           <a:p>
             <a:pPr algn="ctr"/>
-            <a:endParaRPr b="0" lang="en-US" sz="4400" spc="-1" strike="noStrike">
+            <a:endParaRPr lang="en-US" sz="4400" b="0" strike="noStrike" spc="-1">
               <a:latin typeface="Arial"/>
             </a:endParaRPr>
           </a:p>
@@ -1257,11 +1427,12 @@
           </a:prstGeom>
         </p:spPr>
         <p:txBody>
-          <a:bodyPr lIns="0" rIns="0" tIns="0" bIns="0">
+          <a:bodyPr lIns="0" tIns="0" rIns="0" bIns="0">
             <a:normAutofit/>
           </a:bodyPr>
-          <a:p>
-            <a:endParaRPr b="0" lang="en-US" sz="3200" spc="-1" strike="noStrike">
+          <a:lstStyle/>
+          <a:p>
+            <a:endParaRPr lang="en-US" sz="3200" b="0" strike="noStrike" spc="-1">
               <a:latin typeface="Arial"/>
             </a:endParaRPr>
           </a:p>
@@ -1287,11 +1458,12 @@
           </a:prstGeom>
         </p:spPr>
         <p:txBody>
-          <a:bodyPr lIns="0" rIns="0" tIns="0" bIns="0">
+          <a:bodyPr lIns="0" tIns="0" rIns="0" bIns="0">
             <a:normAutofit/>
           </a:bodyPr>
-          <a:p>
-            <a:endParaRPr b="0" lang="en-US" sz="3200" spc="-1" strike="noStrike">
+          <a:lstStyle/>
+          <a:p>
+            <a:endParaRPr lang="en-US" sz="3200" b="0" strike="noStrike" spc="-1">
               <a:latin typeface="Arial"/>
             </a:endParaRPr>
           </a:p>
@@ -1317,11 +1489,12 @@
           </a:prstGeom>
         </p:spPr>
         <p:txBody>
-          <a:bodyPr lIns="0" rIns="0" tIns="0" bIns="0">
+          <a:bodyPr lIns="0" tIns="0" rIns="0" bIns="0">
             <a:normAutofit/>
           </a:bodyPr>
-          <a:p>
-            <a:endParaRPr b="0" lang="en-US" sz="3200" spc="-1" strike="noStrike">
+          <a:lstStyle/>
+          <a:p>
+            <a:endParaRPr lang="en-US" sz="3200" b="0" strike="noStrike" spc="-1">
               <a:latin typeface="Arial"/>
             </a:endParaRPr>
           </a:p>
@@ -1329,11 +1502,14 @@
       </p:sp>
     </p:spTree>
   </p:cSld>
+  <p:clrMapOvr>
+    <a:masterClrMapping/>
+  </p:clrMapOvr>
 </p:sldLayout>
 </file>
 
 <file path=ppt/slideLayouts/slideLayout21.xml><?xml version="1.0" encoding="utf-8"?>
-<p:sldLayout xmlns:a="http://schemas.openxmlformats.org/drawingml/2006/main" xmlns:p="http://schemas.openxmlformats.org/presentationml/2006/main" xmlns:r="http://schemas.openxmlformats.org/officeDocument/2006/relationships" xmlns:p14="http://schemas.microsoft.com/office/powerpoint/2010/main" xmlns:p15="http://schemas.microsoft.com/office/powerpoint/2012/main" xmlns:mc="http://schemas.openxmlformats.org/markup-compatibility/2006" type="twoObjOverTx" preserve="1">
+<p:sldLayout xmlns:a="http://schemas.openxmlformats.org/drawingml/2006/main" xmlns:r="http://schemas.openxmlformats.org/officeDocument/2006/relationships" xmlns:p="http://schemas.openxmlformats.org/presentationml/2006/main" type="twoObjOverTx" preserve="1">
   <p:cSld name="Title, 2 Content over Content">
     <p:spTree>
       <p:nvGrpSpPr>
@@ -1369,12 +1545,13 @@
           </a:prstGeom>
         </p:spPr>
         <p:txBody>
-          <a:bodyPr lIns="0" rIns="0" tIns="0" bIns="0" anchor="ctr">
+          <a:bodyPr lIns="0" tIns="0" rIns="0" bIns="0" anchor="ctr">
             <a:noAutofit/>
           </a:bodyPr>
+          <a:lstStyle/>
           <a:p>
             <a:pPr algn="ctr"/>
-            <a:endParaRPr b="0" lang="en-US" sz="4400" spc="-1" strike="noStrike">
+            <a:endParaRPr lang="en-US" sz="4400" b="0" strike="noStrike" spc="-1">
               <a:latin typeface="Arial"/>
             </a:endParaRPr>
           </a:p>
@@ -1400,11 +1577,12 @@
           </a:prstGeom>
         </p:spPr>
         <p:txBody>
-          <a:bodyPr lIns="0" rIns="0" tIns="0" bIns="0">
+          <a:bodyPr lIns="0" tIns="0" rIns="0" bIns="0">
             <a:normAutofit/>
           </a:bodyPr>
-          <a:p>
-            <a:endParaRPr b="0" lang="en-US" sz="3200" spc="-1" strike="noStrike">
+          <a:lstStyle/>
+          <a:p>
+            <a:endParaRPr lang="en-US" sz="3200" b="0" strike="noStrike" spc="-1">
               <a:latin typeface="Arial"/>
             </a:endParaRPr>
           </a:p>
@@ -1430,11 +1608,12 @@
           </a:prstGeom>
         </p:spPr>
         <p:txBody>
-          <a:bodyPr lIns="0" rIns="0" tIns="0" bIns="0">
+          <a:bodyPr lIns="0" tIns="0" rIns="0" bIns="0">
             <a:normAutofit/>
           </a:bodyPr>
-          <a:p>
-            <a:endParaRPr b="0" lang="en-US" sz="3200" spc="-1" strike="noStrike">
+          <a:lstStyle/>
+          <a:p>
+            <a:endParaRPr lang="en-US" sz="3200" b="0" strike="noStrike" spc="-1">
               <a:latin typeface="Arial"/>
             </a:endParaRPr>
           </a:p>
@@ -1460,11 +1639,12 @@
           </a:prstGeom>
         </p:spPr>
         <p:txBody>
-          <a:bodyPr lIns="0" rIns="0" tIns="0" bIns="0">
+          <a:bodyPr lIns="0" tIns="0" rIns="0" bIns="0">
             <a:normAutofit/>
           </a:bodyPr>
-          <a:p>
-            <a:endParaRPr b="0" lang="en-US" sz="3200" spc="-1" strike="noStrike">
+          <a:lstStyle/>
+          <a:p>
+            <a:endParaRPr lang="en-US" sz="3200" b="0" strike="noStrike" spc="-1">
               <a:latin typeface="Arial"/>
             </a:endParaRPr>
           </a:p>
@@ -1472,11 +1652,14 @@
       </p:sp>
     </p:spTree>
   </p:cSld>
+  <p:clrMapOvr>
+    <a:masterClrMapping/>
+  </p:clrMapOvr>
 </p:sldLayout>
 </file>
 
 <file path=ppt/slideLayouts/slideLayout22.xml><?xml version="1.0" encoding="utf-8"?>
-<p:sldLayout xmlns:a="http://schemas.openxmlformats.org/drawingml/2006/main" xmlns:p="http://schemas.openxmlformats.org/presentationml/2006/main" xmlns:r="http://schemas.openxmlformats.org/officeDocument/2006/relationships" xmlns:p14="http://schemas.microsoft.com/office/powerpoint/2010/main" xmlns:p15="http://schemas.microsoft.com/office/powerpoint/2012/main" xmlns:mc="http://schemas.openxmlformats.org/markup-compatibility/2006" type="objOverTx" preserve="1">
+<p:sldLayout xmlns:a="http://schemas.openxmlformats.org/drawingml/2006/main" xmlns:r="http://schemas.openxmlformats.org/officeDocument/2006/relationships" xmlns:p="http://schemas.openxmlformats.org/presentationml/2006/main" type="objOverTx" preserve="1">
   <p:cSld name="Title, Content over Content">
     <p:spTree>
       <p:nvGrpSpPr>
@@ -1512,12 +1695,13 @@
           </a:prstGeom>
         </p:spPr>
         <p:txBody>
-          <a:bodyPr lIns="0" rIns="0" tIns="0" bIns="0" anchor="ctr">
+          <a:bodyPr lIns="0" tIns="0" rIns="0" bIns="0" anchor="ctr">
             <a:noAutofit/>
           </a:bodyPr>
+          <a:lstStyle/>
           <a:p>
             <a:pPr algn="ctr"/>
-            <a:endParaRPr b="0" lang="en-US" sz="4400" spc="-1" strike="noStrike">
+            <a:endParaRPr lang="en-US" sz="4400" b="0" strike="noStrike" spc="-1">
               <a:latin typeface="Arial"/>
             </a:endParaRPr>
           </a:p>
@@ -1543,11 +1727,12 @@
           </a:prstGeom>
         </p:spPr>
         <p:txBody>
-          <a:bodyPr lIns="0" rIns="0" tIns="0" bIns="0">
+          <a:bodyPr lIns="0" tIns="0" rIns="0" bIns="0">
             <a:normAutofit/>
           </a:bodyPr>
-          <a:p>
-            <a:endParaRPr b="0" lang="en-US" sz="3200" spc="-1" strike="noStrike">
+          <a:lstStyle/>
+          <a:p>
+            <a:endParaRPr lang="en-US" sz="3200" b="0" strike="noStrike" spc="-1">
               <a:latin typeface="Arial"/>
             </a:endParaRPr>
           </a:p>
@@ -1573,11 +1758,12 @@
           </a:prstGeom>
         </p:spPr>
         <p:txBody>
-          <a:bodyPr lIns="0" rIns="0" tIns="0" bIns="0">
+          <a:bodyPr lIns="0" tIns="0" rIns="0" bIns="0">
             <a:normAutofit/>
           </a:bodyPr>
-          <a:p>
-            <a:endParaRPr b="0" lang="en-US" sz="3200" spc="-1" strike="noStrike">
+          <a:lstStyle/>
+          <a:p>
+            <a:endParaRPr lang="en-US" sz="3200" b="0" strike="noStrike" spc="-1">
               <a:latin typeface="Arial"/>
             </a:endParaRPr>
           </a:p>
@@ -1585,11 +1771,14 @@
       </p:sp>
     </p:spTree>
   </p:cSld>
+  <p:clrMapOvr>
+    <a:masterClrMapping/>
+  </p:clrMapOvr>
 </p:sldLayout>
 </file>
 
 <file path=ppt/slideLayouts/slideLayout23.xml><?xml version="1.0" encoding="utf-8"?>
-<p:sldLayout xmlns:a="http://schemas.openxmlformats.org/drawingml/2006/main" xmlns:p="http://schemas.openxmlformats.org/presentationml/2006/main" xmlns:r="http://schemas.openxmlformats.org/officeDocument/2006/relationships" xmlns:p14="http://schemas.microsoft.com/office/powerpoint/2010/main" xmlns:p15="http://schemas.microsoft.com/office/powerpoint/2012/main" xmlns:mc="http://schemas.openxmlformats.org/markup-compatibility/2006" type="fourObj" preserve="1">
+<p:sldLayout xmlns:a="http://schemas.openxmlformats.org/drawingml/2006/main" xmlns:r="http://schemas.openxmlformats.org/officeDocument/2006/relationships" xmlns:p="http://schemas.openxmlformats.org/presentationml/2006/main" type="fourObj" preserve="1">
   <p:cSld name="Title, 4 Content">
     <p:spTree>
       <p:nvGrpSpPr>
@@ -1625,12 +1814,13 @@
           </a:prstGeom>
         </p:spPr>
         <p:txBody>
-          <a:bodyPr lIns="0" rIns="0" tIns="0" bIns="0" anchor="ctr">
+          <a:bodyPr lIns="0" tIns="0" rIns="0" bIns="0" anchor="ctr">
             <a:noAutofit/>
           </a:bodyPr>
+          <a:lstStyle/>
           <a:p>
             <a:pPr algn="ctr"/>
-            <a:endParaRPr b="0" lang="en-US" sz="4400" spc="-1" strike="noStrike">
+            <a:endParaRPr lang="en-US" sz="4400" b="0" strike="noStrike" spc="-1">
               <a:latin typeface="Arial"/>
             </a:endParaRPr>
           </a:p>
@@ -1656,11 +1846,12 @@
           </a:prstGeom>
         </p:spPr>
         <p:txBody>
-          <a:bodyPr lIns="0" rIns="0" tIns="0" bIns="0">
+          <a:bodyPr lIns="0" tIns="0" rIns="0" bIns="0">
             <a:normAutofit/>
           </a:bodyPr>
-          <a:p>
-            <a:endParaRPr b="0" lang="en-US" sz="3200" spc="-1" strike="noStrike">
+          <a:lstStyle/>
+          <a:p>
+            <a:endParaRPr lang="en-US" sz="3200" b="0" strike="noStrike" spc="-1">
               <a:latin typeface="Arial"/>
             </a:endParaRPr>
           </a:p>
@@ -1686,11 +1877,12 @@
           </a:prstGeom>
         </p:spPr>
         <p:txBody>
-          <a:bodyPr lIns="0" rIns="0" tIns="0" bIns="0">
+          <a:bodyPr lIns="0" tIns="0" rIns="0" bIns="0">
             <a:normAutofit/>
           </a:bodyPr>
-          <a:p>
-            <a:endParaRPr b="0" lang="en-US" sz="3200" spc="-1" strike="noStrike">
+          <a:lstStyle/>
+          <a:p>
+            <a:endParaRPr lang="en-US" sz="3200" b="0" strike="noStrike" spc="-1">
               <a:latin typeface="Arial"/>
             </a:endParaRPr>
           </a:p>
@@ -1716,11 +1908,12 @@
           </a:prstGeom>
         </p:spPr>
         <p:txBody>
-          <a:bodyPr lIns="0" rIns="0" tIns="0" bIns="0">
+          <a:bodyPr lIns="0" tIns="0" rIns="0" bIns="0">
             <a:normAutofit/>
           </a:bodyPr>
-          <a:p>
-            <a:endParaRPr b="0" lang="en-US" sz="3200" spc="-1" strike="noStrike">
+          <a:lstStyle/>
+          <a:p>
+            <a:endParaRPr lang="en-US" sz="3200" b="0" strike="noStrike" spc="-1">
               <a:latin typeface="Arial"/>
             </a:endParaRPr>
           </a:p>
@@ -1746,11 +1939,12 @@
           </a:prstGeom>
         </p:spPr>
         <p:txBody>
-          <a:bodyPr lIns="0" rIns="0" tIns="0" bIns="0">
+          <a:bodyPr lIns="0" tIns="0" rIns="0" bIns="0">
             <a:normAutofit/>
           </a:bodyPr>
-          <a:p>
-            <a:endParaRPr b="0" lang="en-US" sz="3200" spc="-1" strike="noStrike">
+          <a:lstStyle/>
+          <a:p>
+            <a:endParaRPr lang="en-US" sz="3200" b="0" strike="noStrike" spc="-1">
               <a:latin typeface="Arial"/>
             </a:endParaRPr>
           </a:p>
@@ -1758,11 +1952,14 @@
       </p:sp>
     </p:spTree>
   </p:cSld>
+  <p:clrMapOvr>
+    <a:masterClrMapping/>
+  </p:clrMapOvr>
 </p:sldLayout>
 </file>
 
 <file path=ppt/slideLayouts/slideLayout24.xml><?xml version="1.0" encoding="utf-8"?>
-<p:sldLayout xmlns:a="http://schemas.openxmlformats.org/drawingml/2006/main" xmlns:p="http://schemas.openxmlformats.org/presentationml/2006/main" xmlns:r="http://schemas.openxmlformats.org/officeDocument/2006/relationships" xmlns:p14="http://schemas.microsoft.com/office/powerpoint/2010/main" xmlns:p15="http://schemas.microsoft.com/office/powerpoint/2012/main" xmlns:mc="http://schemas.openxmlformats.org/markup-compatibility/2006" type="blank" preserve="1">
+<p:sldLayout xmlns:a="http://schemas.openxmlformats.org/drawingml/2006/main" xmlns:r="http://schemas.openxmlformats.org/officeDocument/2006/relationships" xmlns:p="http://schemas.openxmlformats.org/presentationml/2006/main" type="blank" preserve="1">
   <p:cSld name="Title, 6 Content">
     <p:spTree>
       <p:nvGrpSpPr>
@@ -1798,12 +1995,13 @@
           </a:prstGeom>
         </p:spPr>
         <p:txBody>
-          <a:bodyPr lIns="0" rIns="0" tIns="0" bIns="0" anchor="ctr">
+          <a:bodyPr lIns="0" tIns="0" rIns="0" bIns="0" anchor="ctr">
             <a:noAutofit/>
           </a:bodyPr>
+          <a:lstStyle/>
           <a:p>
             <a:pPr algn="ctr"/>
-            <a:endParaRPr b="0" lang="en-US" sz="4400" spc="-1" strike="noStrike">
+            <a:endParaRPr lang="en-US" sz="4400" b="0" strike="noStrike" spc="-1">
               <a:latin typeface="Arial"/>
             </a:endParaRPr>
           </a:p>
@@ -1829,11 +2027,12 @@
           </a:prstGeom>
         </p:spPr>
         <p:txBody>
-          <a:bodyPr lIns="0" rIns="0" tIns="0" bIns="0">
+          <a:bodyPr lIns="0" tIns="0" rIns="0" bIns="0">
             <a:normAutofit/>
           </a:bodyPr>
-          <a:p>
-            <a:endParaRPr b="0" lang="en-US" sz="3200" spc="-1" strike="noStrike">
+          <a:lstStyle/>
+          <a:p>
+            <a:endParaRPr lang="en-US" sz="3200" b="0" strike="noStrike" spc="-1">
               <a:latin typeface="Arial"/>
             </a:endParaRPr>
           </a:p>
@@ -1859,11 +2058,12 @@
           </a:prstGeom>
         </p:spPr>
         <p:txBody>
-          <a:bodyPr lIns="0" rIns="0" tIns="0" bIns="0">
+          <a:bodyPr lIns="0" tIns="0" rIns="0" bIns="0">
             <a:normAutofit/>
           </a:bodyPr>
-          <a:p>
-            <a:endParaRPr b="0" lang="en-US" sz="3200" spc="-1" strike="noStrike">
+          <a:lstStyle/>
+          <a:p>
+            <a:endParaRPr lang="en-US" sz="3200" b="0" strike="noStrike" spc="-1">
               <a:latin typeface="Arial"/>
             </a:endParaRPr>
           </a:p>
@@ -1889,11 +2089,12 @@
           </a:prstGeom>
         </p:spPr>
         <p:txBody>
-          <a:bodyPr lIns="0" rIns="0" tIns="0" bIns="0">
+          <a:bodyPr lIns="0" tIns="0" rIns="0" bIns="0">
             <a:normAutofit/>
           </a:bodyPr>
-          <a:p>
-            <a:endParaRPr b="0" lang="en-US" sz="3200" spc="-1" strike="noStrike">
+          <a:lstStyle/>
+          <a:p>
+            <a:endParaRPr lang="en-US" sz="3200" b="0" strike="noStrike" spc="-1">
               <a:latin typeface="Arial"/>
             </a:endParaRPr>
           </a:p>
@@ -1919,11 +2120,12 @@
           </a:prstGeom>
         </p:spPr>
         <p:txBody>
-          <a:bodyPr lIns="0" rIns="0" tIns="0" bIns="0">
+          <a:bodyPr lIns="0" tIns="0" rIns="0" bIns="0">
             <a:normAutofit/>
           </a:bodyPr>
-          <a:p>
-            <a:endParaRPr b="0" lang="en-US" sz="3200" spc="-1" strike="noStrike">
+          <a:lstStyle/>
+          <a:p>
+            <a:endParaRPr lang="en-US" sz="3200" b="0" strike="noStrike" spc="-1">
               <a:latin typeface="Arial"/>
             </a:endParaRPr>
           </a:p>
@@ -1949,11 +2151,12 @@
           </a:prstGeom>
         </p:spPr>
         <p:txBody>
-          <a:bodyPr lIns="0" rIns="0" tIns="0" bIns="0">
+          <a:bodyPr lIns="0" tIns="0" rIns="0" bIns="0">
             <a:normAutofit/>
           </a:bodyPr>
-          <a:p>
-            <a:endParaRPr b="0" lang="en-US" sz="3200" spc="-1" strike="noStrike">
+          <a:lstStyle/>
+          <a:p>
+            <a:endParaRPr lang="en-US" sz="3200" b="0" strike="noStrike" spc="-1">
               <a:latin typeface="Arial"/>
             </a:endParaRPr>
           </a:p>
@@ -1979,11 +2182,12 @@
           </a:prstGeom>
         </p:spPr>
         <p:txBody>
-          <a:bodyPr lIns="0" rIns="0" tIns="0" bIns="0">
+          <a:bodyPr lIns="0" tIns="0" rIns="0" bIns="0">
             <a:normAutofit/>
           </a:bodyPr>
-          <a:p>
-            <a:endParaRPr b="0" lang="en-US" sz="3200" spc="-1" strike="noStrike">
+          <a:lstStyle/>
+          <a:p>
+            <a:endParaRPr lang="en-US" sz="3200" b="0" strike="noStrike" spc="-1">
               <a:latin typeface="Arial"/>
             </a:endParaRPr>
           </a:p>
@@ -1991,11 +2195,14 @@
       </p:sp>
     </p:spTree>
   </p:cSld>
+  <p:clrMapOvr>
+    <a:masterClrMapping/>
+  </p:clrMapOvr>
 </p:sldLayout>
 </file>
 
 <file path=ppt/slideLayouts/slideLayout3.xml><?xml version="1.0" encoding="utf-8"?>
-<p:sldLayout xmlns:a="http://schemas.openxmlformats.org/drawingml/2006/main" xmlns:p="http://schemas.openxmlformats.org/presentationml/2006/main" xmlns:r="http://schemas.openxmlformats.org/officeDocument/2006/relationships" xmlns:p14="http://schemas.microsoft.com/office/powerpoint/2010/main" xmlns:p15="http://schemas.microsoft.com/office/powerpoint/2012/main" xmlns:mc="http://schemas.openxmlformats.org/markup-compatibility/2006" type="obj" preserve="1">
+<p:sldLayout xmlns:a="http://schemas.openxmlformats.org/drawingml/2006/main" xmlns:r="http://schemas.openxmlformats.org/officeDocument/2006/relationships" xmlns:p="http://schemas.openxmlformats.org/presentationml/2006/main" type="obj" preserve="1">
   <p:cSld name="Title, Content">
     <p:spTree>
       <p:nvGrpSpPr>
@@ -2031,12 +2238,13 @@
           </a:prstGeom>
         </p:spPr>
         <p:txBody>
-          <a:bodyPr lIns="0" rIns="0" tIns="0" bIns="0" anchor="ctr">
+          <a:bodyPr lIns="0" tIns="0" rIns="0" bIns="0" anchor="ctr">
             <a:noAutofit/>
           </a:bodyPr>
+          <a:lstStyle/>
           <a:p>
             <a:pPr algn="ctr"/>
-            <a:endParaRPr b="0" lang="en-US" sz="4400" spc="-1" strike="noStrike">
+            <a:endParaRPr lang="en-US" sz="4400" b="0" strike="noStrike" spc="-1">
               <a:latin typeface="Arial"/>
             </a:endParaRPr>
           </a:p>
@@ -2062,11 +2270,12 @@
           </a:prstGeom>
         </p:spPr>
         <p:txBody>
-          <a:bodyPr lIns="0" rIns="0" tIns="0" bIns="0">
+          <a:bodyPr lIns="0" tIns="0" rIns="0" bIns="0">
             <a:normAutofit/>
           </a:bodyPr>
-          <a:p>
-            <a:endParaRPr b="0" lang="en-US" sz="3200" spc="-1" strike="noStrike">
+          <a:lstStyle/>
+          <a:p>
+            <a:endParaRPr lang="en-US" sz="3200" b="0" strike="noStrike" spc="-1">
               <a:latin typeface="Arial"/>
             </a:endParaRPr>
           </a:p>
@@ -2074,11 +2283,14 @@
       </p:sp>
     </p:spTree>
   </p:cSld>
+  <p:clrMapOvr>
+    <a:masterClrMapping/>
+  </p:clrMapOvr>
 </p:sldLayout>
 </file>
 
 <file path=ppt/slideLayouts/slideLayout4.xml><?xml version="1.0" encoding="utf-8"?>
-<p:sldLayout xmlns:a="http://schemas.openxmlformats.org/drawingml/2006/main" xmlns:p="http://schemas.openxmlformats.org/presentationml/2006/main" xmlns:r="http://schemas.openxmlformats.org/officeDocument/2006/relationships" xmlns:p14="http://schemas.microsoft.com/office/powerpoint/2010/main" xmlns:p15="http://schemas.microsoft.com/office/powerpoint/2012/main" xmlns:mc="http://schemas.openxmlformats.org/markup-compatibility/2006" type="twoObj" preserve="1">
+<p:sldLayout xmlns:a="http://schemas.openxmlformats.org/drawingml/2006/main" xmlns:r="http://schemas.openxmlformats.org/officeDocument/2006/relationships" xmlns:p="http://schemas.openxmlformats.org/presentationml/2006/main" type="twoObj" preserve="1">
   <p:cSld name="Title, 2 Content">
     <p:spTree>
       <p:nvGrpSpPr>
@@ -2114,12 +2326,13 @@
           </a:prstGeom>
         </p:spPr>
         <p:txBody>
-          <a:bodyPr lIns="0" rIns="0" tIns="0" bIns="0" anchor="ctr">
+          <a:bodyPr lIns="0" tIns="0" rIns="0" bIns="0" anchor="ctr">
             <a:noAutofit/>
           </a:bodyPr>
+          <a:lstStyle/>
           <a:p>
             <a:pPr algn="ctr"/>
-            <a:endParaRPr b="0" lang="en-US" sz="4400" spc="-1" strike="noStrike">
+            <a:endParaRPr lang="en-US" sz="4400" b="0" strike="noStrike" spc="-1">
               <a:latin typeface="Arial"/>
             </a:endParaRPr>
           </a:p>
@@ -2145,11 +2358,12 @@
           </a:prstGeom>
         </p:spPr>
         <p:txBody>
-          <a:bodyPr lIns="0" rIns="0" tIns="0" bIns="0">
+          <a:bodyPr lIns="0" tIns="0" rIns="0" bIns="0">
             <a:normAutofit/>
           </a:bodyPr>
-          <a:p>
-            <a:endParaRPr b="0" lang="en-US" sz="3200" spc="-1" strike="noStrike">
+          <a:lstStyle/>
+          <a:p>
+            <a:endParaRPr lang="en-US" sz="3200" b="0" strike="noStrike" spc="-1">
               <a:latin typeface="Arial"/>
             </a:endParaRPr>
           </a:p>
@@ -2175,11 +2389,12 @@
           </a:prstGeom>
         </p:spPr>
         <p:txBody>
-          <a:bodyPr lIns="0" rIns="0" tIns="0" bIns="0">
+          <a:bodyPr lIns="0" tIns="0" rIns="0" bIns="0">
             <a:normAutofit/>
           </a:bodyPr>
-          <a:p>
-            <a:endParaRPr b="0" lang="en-US" sz="3200" spc="-1" strike="noStrike">
+          <a:lstStyle/>
+          <a:p>
+            <a:endParaRPr lang="en-US" sz="3200" b="0" strike="noStrike" spc="-1">
               <a:latin typeface="Arial"/>
             </a:endParaRPr>
           </a:p>
@@ -2187,11 +2402,14 @@
       </p:sp>
     </p:spTree>
   </p:cSld>
+  <p:clrMapOvr>
+    <a:masterClrMapping/>
+  </p:clrMapOvr>
 </p:sldLayout>
 </file>
 
 <file path=ppt/slideLayouts/slideLayout5.xml><?xml version="1.0" encoding="utf-8"?>
-<p:sldLayout xmlns:a="http://schemas.openxmlformats.org/drawingml/2006/main" xmlns:p="http://schemas.openxmlformats.org/presentationml/2006/main" xmlns:r="http://schemas.openxmlformats.org/officeDocument/2006/relationships" xmlns:p14="http://schemas.microsoft.com/office/powerpoint/2010/main" xmlns:p15="http://schemas.microsoft.com/office/powerpoint/2012/main" xmlns:mc="http://schemas.openxmlformats.org/markup-compatibility/2006" type="titleOnly" preserve="1">
+<p:sldLayout xmlns:a="http://schemas.openxmlformats.org/drawingml/2006/main" xmlns:r="http://schemas.openxmlformats.org/officeDocument/2006/relationships" xmlns:p="http://schemas.openxmlformats.org/presentationml/2006/main" type="titleOnly" preserve="1">
   <p:cSld name="Title Only">
     <p:spTree>
       <p:nvGrpSpPr>
@@ -2227,12 +2445,13 @@
           </a:prstGeom>
         </p:spPr>
         <p:txBody>
-          <a:bodyPr lIns="0" rIns="0" tIns="0" bIns="0" anchor="ctr">
+          <a:bodyPr lIns="0" tIns="0" rIns="0" bIns="0" anchor="ctr">
             <a:noAutofit/>
           </a:bodyPr>
+          <a:lstStyle/>
           <a:p>
             <a:pPr algn="ctr"/>
-            <a:endParaRPr b="0" lang="en-US" sz="4400" spc="-1" strike="noStrike">
+            <a:endParaRPr lang="en-US" sz="4400" b="0" strike="noStrike" spc="-1">
               <a:latin typeface="Arial"/>
             </a:endParaRPr>
           </a:p>
@@ -2240,11 +2459,14 @@
       </p:sp>
     </p:spTree>
   </p:cSld>
+  <p:clrMapOvr>
+    <a:masterClrMapping/>
+  </p:clrMapOvr>
 </p:sldLayout>
 </file>
 
 <file path=ppt/slideLayouts/slideLayout6.xml><?xml version="1.0" encoding="utf-8"?>
-<p:sldLayout xmlns:a="http://schemas.openxmlformats.org/drawingml/2006/main" xmlns:p="http://schemas.openxmlformats.org/presentationml/2006/main" xmlns:r="http://schemas.openxmlformats.org/officeDocument/2006/relationships" xmlns:p14="http://schemas.microsoft.com/office/powerpoint/2010/main" xmlns:p15="http://schemas.microsoft.com/office/powerpoint/2012/main" xmlns:mc="http://schemas.openxmlformats.org/markup-compatibility/2006" type="objOnly" preserve="1">
+<p:sldLayout xmlns:a="http://schemas.openxmlformats.org/drawingml/2006/main" xmlns:r="http://schemas.openxmlformats.org/officeDocument/2006/relationships" xmlns:p="http://schemas.openxmlformats.org/presentationml/2006/main" type="objOnly" preserve="1">
   <p:cSld name="Centered Text">
     <p:spTree>
       <p:nvGrpSpPr>
@@ -2280,12 +2502,13 @@
           </a:prstGeom>
         </p:spPr>
         <p:txBody>
-          <a:bodyPr lIns="0" rIns="0" tIns="0" bIns="0" anchor="ctr">
+          <a:bodyPr lIns="0" tIns="0" rIns="0" bIns="0" anchor="ctr">
             <a:noAutofit/>
           </a:bodyPr>
+          <a:lstStyle/>
           <a:p>
             <a:pPr algn="ctr"/>
-            <a:endParaRPr b="0" lang="en-US" sz="3200" spc="-1" strike="noStrike">
+            <a:endParaRPr lang="en-US" sz="3200" b="0" strike="noStrike" spc="-1">
               <a:latin typeface="Arial"/>
             </a:endParaRPr>
           </a:p>
@@ -2293,11 +2516,14 @@
       </p:sp>
     </p:spTree>
   </p:cSld>
+  <p:clrMapOvr>
+    <a:masterClrMapping/>
+  </p:clrMapOvr>
 </p:sldLayout>
 </file>
 
 <file path=ppt/slideLayouts/slideLayout7.xml><?xml version="1.0" encoding="utf-8"?>
-<p:sldLayout xmlns:a="http://schemas.openxmlformats.org/drawingml/2006/main" xmlns:p="http://schemas.openxmlformats.org/presentationml/2006/main" xmlns:r="http://schemas.openxmlformats.org/officeDocument/2006/relationships" xmlns:p14="http://schemas.microsoft.com/office/powerpoint/2010/main" xmlns:p15="http://schemas.microsoft.com/office/powerpoint/2012/main" xmlns:mc="http://schemas.openxmlformats.org/markup-compatibility/2006" type="twoObjAndObj" preserve="1">
+<p:sldLayout xmlns:a="http://schemas.openxmlformats.org/drawingml/2006/main" xmlns:r="http://schemas.openxmlformats.org/officeDocument/2006/relationships" xmlns:p="http://schemas.openxmlformats.org/presentationml/2006/main" type="twoObjAndObj" preserve="1">
   <p:cSld name="Title, 2 Content and Content">
     <p:spTree>
       <p:nvGrpSpPr>
@@ -2333,12 +2559,13 @@
           </a:prstGeom>
         </p:spPr>
         <p:txBody>
-          <a:bodyPr lIns="0" rIns="0" tIns="0" bIns="0" anchor="ctr">
+          <a:bodyPr lIns="0" tIns="0" rIns="0" bIns="0" anchor="ctr">
             <a:noAutofit/>
           </a:bodyPr>
+          <a:lstStyle/>
           <a:p>
             <a:pPr algn="ctr"/>
-            <a:endParaRPr b="0" lang="en-US" sz="4400" spc="-1" strike="noStrike">
+            <a:endParaRPr lang="en-US" sz="4400" b="0" strike="noStrike" spc="-1">
               <a:latin typeface="Arial"/>
             </a:endParaRPr>
           </a:p>
@@ -2364,11 +2591,12 @@
           </a:prstGeom>
         </p:spPr>
         <p:txBody>
-          <a:bodyPr lIns="0" rIns="0" tIns="0" bIns="0">
+          <a:bodyPr lIns="0" tIns="0" rIns="0" bIns="0">
             <a:normAutofit/>
           </a:bodyPr>
-          <a:p>
-            <a:endParaRPr b="0" lang="en-US" sz="3200" spc="-1" strike="noStrike">
+          <a:lstStyle/>
+          <a:p>
+            <a:endParaRPr lang="en-US" sz="3200" b="0" strike="noStrike" spc="-1">
               <a:latin typeface="Arial"/>
             </a:endParaRPr>
           </a:p>
@@ -2394,11 +2622,12 @@
           </a:prstGeom>
         </p:spPr>
         <p:txBody>
-          <a:bodyPr lIns="0" rIns="0" tIns="0" bIns="0">
+          <a:bodyPr lIns="0" tIns="0" rIns="0" bIns="0">
             <a:normAutofit/>
           </a:bodyPr>
-          <a:p>
-            <a:endParaRPr b="0" lang="en-US" sz="3200" spc="-1" strike="noStrike">
+          <a:lstStyle/>
+          <a:p>
+            <a:endParaRPr lang="en-US" sz="3200" b="0" strike="noStrike" spc="-1">
               <a:latin typeface="Arial"/>
             </a:endParaRPr>
           </a:p>
@@ -2424,11 +2653,12 @@
           </a:prstGeom>
         </p:spPr>
         <p:txBody>
-          <a:bodyPr lIns="0" rIns="0" tIns="0" bIns="0">
+          <a:bodyPr lIns="0" tIns="0" rIns="0" bIns="0">
             <a:normAutofit/>
           </a:bodyPr>
-          <a:p>
-            <a:endParaRPr b="0" lang="en-US" sz="3200" spc="-1" strike="noStrike">
+          <a:lstStyle/>
+          <a:p>
+            <a:endParaRPr lang="en-US" sz="3200" b="0" strike="noStrike" spc="-1">
               <a:latin typeface="Arial"/>
             </a:endParaRPr>
           </a:p>
@@ -2436,11 +2666,14 @@
       </p:sp>
     </p:spTree>
   </p:cSld>
+  <p:clrMapOvr>
+    <a:masterClrMapping/>
+  </p:clrMapOvr>
 </p:sldLayout>
 </file>
 
 <file path=ppt/slideLayouts/slideLayout8.xml><?xml version="1.0" encoding="utf-8"?>
-<p:sldLayout xmlns:a="http://schemas.openxmlformats.org/drawingml/2006/main" xmlns:p="http://schemas.openxmlformats.org/presentationml/2006/main" xmlns:r="http://schemas.openxmlformats.org/officeDocument/2006/relationships" xmlns:p14="http://schemas.microsoft.com/office/powerpoint/2010/main" xmlns:p15="http://schemas.microsoft.com/office/powerpoint/2012/main" xmlns:mc="http://schemas.openxmlformats.org/markup-compatibility/2006" type="objAndTwoObj" preserve="1">
+<p:sldLayout xmlns:a="http://schemas.openxmlformats.org/drawingml/2006/main" xmlns:r="http://schemas.openxmlformats.org/officeDocument/2006/relationships" xmlns:p="http://schemas.openxmlformats.org/presentationml/2006/main" type="objAndTwoObj" preserve="1">
   <p:cSld name="Title Content and 2 Content">
     <p:spTree>
       <p:nvGrpSpPr>
@@ -2476,12 +2709,13 @@
           </a:prstGeom>
         </p:spPr>
         <p:txBody>
-          <a:bodyPr lIns="0" rIns="0" tIns="0" bIns="0" anchor="ctr">
+          <a:bodyPr lIns="0" tIns="0" rIns="0" bIns="0" anchor="ctr">
             <a:noAutofit/>
           </a:bodyPr>
+          <a:lstStyle/>
           <a:p>
             <a:pPr algn="ctr"/>
-            <a:endParaRPr b="0" lang="en-US" sz="4400" spc="-1" strike="noStrike">
+            <a:endParaRPr lang="en-US" sz="4400" b="0" strike="noStrike" spc="-1">
               <a:latin typeface="Arial"/>
             </a:endParaRPr>
           </a:p>
@@ -2507,11 +2741,12 @@
           </a:prstGeom>
         </p:spPr>
         <p:txBody>
-          <a:bodyPr lIns="0" rIns="0" tIns="0" bIns="0">
+          <a:bodyPr lIns="0" tIns="0" rIns="0" bIns="0">
             <a:normAutofit/>
           </a:bodyPr>
-          <a:p>
-            <a:endParaRPr b="0" lang="en-US" sz="3200" spc="-1" strike="noStrike">
+          <a:lstStyle/>
+          <a:p>
+            <a:endParaRPr lang="en-US" sz="3200" b="0" strike="noStrike" spc="-1">
               <a:latin typeface="Arial"/>
             </a:endParaRPr>
           </a:p>
@@ -2537,11 +2772,12 @@
           </a:prstGeom>
         </p:spPr>
         <p:txBody>
-          <a:bodyPr lIns="0" rIns="0" tIns="0" bIns="0">
+          <a:bodyPr lIns="0" tIns="0" rIns="0" bIns="0">
             <a:normAutofit/>
           </a:bodyPr>
-          <a:p>
-            <a:endParaRPr b="0" lang="en-US" sz="3200" spc="-1" strike="noStrike">
+          <a:lstStyle/>
+          <a:p>
+            <a:endParaRPr lang="en-US" sz="3200" b="0" strike="noStrike" spc="-1">
               <a:latin typeface="Arial"/>
             </a:endParaRPr>
           </a:p>
@@ -2567,11 +2803,12 @@
           </a:prstGeom>
         </p:spPr>
         <p:txBody>
-          <a:bodyPr lIns="0" rIns="0" tIns="0" bIns="0">
+          <a:bodyPr lIns="0" tIns="0" rIns="0" bIns="0">
             <a:normAutofit/>
           </a:bodyPr>
-          <a:p>
-            <a:endParaRPr b="0" lang="en-US" sz="3200" spc="-1" strike="noStrike">
+          <a:lstStyle/>
+          <a:p>
+            <a:endParaRPr lang="en-US" sz="3200" b="0" strike="noStrike" spc="-1">
               <a:latin typeface="Arial"/>
             </a:endParaRPr>
           </a:p>
@@ -2579,11 +2816,14 @@
       </p:sp>
     </p:spTree>
   </p:cSld>
+  <p:clrMapOvr>
+    <a:masterClrMapping/>
+  </p:clrMapOvr>
 </p:sldLayout>
 </file>
 
 <file path=ppt/slideLayouts/slideLayout9.xml><?xml version="1.0" encoding="utf-8"?>
-<p:sldLayout xmlns:a="http://schemas.openxmlformats.org/drawingml/2006/main" xmlns:p="http://schemas.openxmlformats.org/presentationml/2006/main" xmlns:r="http://schemas.openxmlformats.org/officeDocument/2006/relationships" xmlns:p14="http://schemas.microsoft.com/office/powerpoint/2010/main" xmlns:p15="http://schemas.microsoft.com/office/powerpoint/2012/main" xmlns:mc="http://schemas.openxmlformats.org/markup-compatibility/2006" type="twoObjOverTx" preserve="1">
+<p:sldLayout xmlns:a="http://schemas.openxmlformats.org/drawingml/2006/main" xmlns:r="http://schemas.openxmlformats.org/officeDocument/2006/relationships" xmlns:p="http://schemas.openxmlformats.org/presentationml/2006/main" type="twoObjOverTx" preserve="1">
   <p:cSld name="Title, 2 Content over Content">
     <p:spTree>
       <p:nvGrpSpPr>
@@ -2619,12 +2859,13 @@
           </a:prstGeom>
         </p:spPr>
         <p:txBody>
-          <a:bodyPr lIns="0" rIns="0" tIns="0" bIns="0" anchor="ctr">
+          <a:bodyPr lIns="0" tIns="0" rIns="0" bIns="0" anchor="ctr">
             <a:noAutofit/>
           </a:bodyPr>
+          <a:lstStyle/>
           <a:p>
             <a:pPr algn="ctr"/>
-            <a:endParaRPr b="0" lang="en-US" sz="4400" spc="-1" strike="noStrike">
+            <a:endParaRPr lang="en-US" sz="4400" b="0" strike="noStrike" spc="-1">
               <a:latin typeface="Arial"/>
             </a:endParaRPr>
           </a:p>
@@ -2650,11 +2891,12 @@
           </a:prstGeom>
         </p:spPr>
         <p:txBody>
-          <a:bodyPr lIns="0" rIns="0" tIns="0" bIns="0">
+          <a:bodyPr lIns="0" tIns="0" rIns="0" bIns="0">
             <a:normAutofit/>
           </a:bodyPr>
-          <a:p>
-            <a:endParaRPr b="0" lang="en-US" sz="3200" spc="-1" strike="noStrike">
+          <a:lstStyle/>
+          <a:p>
+            <a:endParaRPr lang="en-US" sz="3200" b="0" strike="noStrike" spc="-1">
               <a:latin typeface="Arial"/>
             </a:endParaRPr>
           </a:p>
@@ -2680,11 +2922,12 @@
           </a:prstGeom>
         </p:spPr>
         <p:txBody>
-          <a:bodyPr lIns="0" rIns="0" tIns="0" bIns="0">
+          <a:bodyPr lIns="0" tIns="0" rIns="0" bIns="0">
             <a:normAutofit/>
           </a:bodyPr>
-          <a:p>
-            <a:endParaRPr b="0" lang="en-US" sz="3200" spc="-1" strike="noStrike">
+          <a:lstStyle/>
+          <a:p>
+            <a:endParaRPr lang="en-US" sz="3200" b="0" strike="noStrike" spc="-1">
               <a:latin typeface="Arial"/>
             </a:endParaRPr>
           </a:p>
@@ -2710,11 +2953,12 @@
           </a:prstGeom>
         </p:spPr>
         <p:txBody>
-          <a:bodyPr lIns="0" rIns="0" tIns="0" bIns="0">
+          <a:bodyPr lIns="0" tIns="0" rIns="0" bIns="0">
             <a:normAutofit/>
           </a:bodyPr>
-          <a:p>
-            <a:endParaRPr b="0" lang="en-US" sz="3200" spc="-1" strike="noStrike">
+          <a:lstStyle/>
+          <a:p>
+            <a:endParaRPr lang="en-US" sz="3200" b="0" strike="noStrike" spc="-1">
               <a:latin typeface="Arial"/>
             </a:endParaRPr>
           </a:p>
@@ -2722,17 +2966,21 @@
       </p:sp>
     </p:spTree>
   </p:cSld>
+  <p:clrMapOvr>
+    <a:masterClrMapping/>
+  </p:clrMapOvr>
 </p:sldLayout>
 </file>
 
 <file path=ppt/slideMasters/slideMaster1.xml><?xml version="1.0" encoding="utf-8"?>
-<p:sldMaster xmlns:a="http://schemas.openxmlformats.org/drawingml/2006/main" xmlns:p="http://schemas.openxmlformats.org/presentationml/2006/main" xmlns:r="http://schemas.openxmlformats.org/officeDocument/2006/relationships" xmlns:p14="http://schemas.microsoft.com/office/powerpoint/2010/main" xmlns:p15="http://schemas.microsoft.com/office/powerpoint/2012/main" xmlns:mc="http://schemas.openxmlformats.org/markup-compatibility/2006">
+<p:sldMaster xmlns:a="http://schemas.openxmlformats.org/drawingml/2006/main" xmlns:r="http://schemas.openxmlformats.org/officeDocument/2006/relationships" xmlns:p="http://schemas.openxmlformats.org/presentationml/2006/main">
   <p:cSld>
     <p:bg>
       <p:bgPr>
         <a:solidFill>
-          <a:srgbClr val="ffffff"/>
+          <a:srgbClr val="FFFFFF"/>
         </a:solidFill>
+        <a:effectLst/>
       </p:bgPr>
     </p:bg>
     <p:spTree>
@@ -2751,7 +2999,7 @@
       </p:grpSpPr>
       <p:sp>
         <p:nvSpPr>
-          <p:cNvPr id="0" name="MSIPCMContentMarking"/>
+          <p:cNvPr id="3" name="MSIPCMContentMarking"/>
           <p:cNvSpPr/>
           <p:nvPr/>
         </p:nvSpPr>
@@ -2769,15 +3017,22 @@
           </a:ln>
         </p:spPr>
         <p:style>
-          <a:lnRef idx="0"/>
-          <a:fillRef idx="0"/>
-          <a:effectRef idx="0"/>
+          <a:lnRef idx="0">
+            <a:scrgbClr r="0" g="0" b="0"/>
+          </a:lnRef>
+          <a:fillRef idx="0">
+            <a:scrgbClr r="0" g="0" b="0"/>
+          </a:fillRef>
+          <a:effectRef idx="0">
+            <a:scrgbClr r="0" g="0" b="0"/>
+          </a:effectRef>
           <a:fontRef idx="minor"/>
         </p:style>
         <p:txBody>
-          <a:bodyPr lIns="0" rIns="0" tIns="0" bIns="0" anchor="ctr" anchorCtr="1">
+          <a:bodyPr lIns="0" tIns="0" rIns="0" bIns="0" anchor="ctr" anchorCtr="1">
             <a:spAutoFit/>
           </a:bodyPr>
+          <a:lstStyle/>
           <a:p>
             <a:pPr algn="ctr">
               <a:lnSpc>
@@ -2785,7 +3040,7 @@
               </a:lnSpc>
             </a:pPr>
             <a:r>
-              <a:rPr b="0" lang="en-IN" sz="700" spc="-1" strike="noStrike">
+              <a:rPr lang="en-IN" sz="700" b="0" strike="noStrike" spc="-1">
                 <a:solidFill>
                   <a:srgbClr val="000000"/>
                 </a:solidFill>
@@ -2794,15 +3049,15 @@
               </a:rPr>
               <a:t>Sensitivity: Internal &amp; Restricted</a:t>
             </a:r>
-            <a:endParaRPr b="0" lang="en-US" sz="700" spc="-1" strike="noStrike">
-              <a:latin typeface="Arial"/>
-            </a:endParaRPr>
-          </a:p>
-        </p:txBody>
-      </p:sp>
-      <p:sp>
-        <p:nvSpPr>
-          <p:cNvPr id="1" name="PlaceHolder 1"/>
+            <a:endParaRPr lang="en-US" sz="700" b="0" strike="noStrike" spc="-1">
+              <a:latin typeface="Arial"/>
+            </a:endParaRPr>
+          </a:p>
+        </p:txBody>
+      </p:sp>
+      <p:sp>
+        <p:nvSpPr>
+          <p:cNvPr id="4" name="PlaceHolder 1"/>
           <p:cNvSpPr>
             <a:spLocks noGrp="1"/>
           </p:cNvSpPr>
@@ -2820,20 +3075,18 @@
           </a:prstGeom>
         </p:spPr>
         <p:txBody>
-          <a:bodyPr lIns="0" rIns="0" tIns="0" bIns="0" anchor="ctr">
+          <a:bodyPr lIns="0" tIns="0" rIns="0" bIns="0" anchor="ctr">
             <a:noAutofit/>
           </a:bodyPr>
+          <a:lstStyle/>
           <a:p>
             <a:pPr algn="ctr"/>
             <a:r>
-              <a:rPr b="0" lang="en-US" sz="4400" spc="-1" strike="noStrike">
+              <a:rPr lang="en-US" sz="4400" b="0" strike="noStrike" spc="-1">
                 <a:latin typeface="Arial"/>
               </a:rPr>
               <a:t>Click to edit the title text format</a:t>
             </a:r>
-            <a:endParaRPr b="0" lang="en-US" sz="4400" spc="-1" strike="noStrike">
-              <a:latin typeface="Arial"/>
-            </a:endParaRPr>
           </a:p>
         </p:txBody>
       </p:sp>
@@ -2857,9 +3110,10 @@
           </a:prstGeom>
         </p:spPr>
         <p:txBody>
-          <a:bodyPr lIns="0" rIns="0" tIns="0" bIns="0">
+          <a:bodyPr lIns="0" tIns="0" rIns="0" bIns="0">
             <a:normAutofit/>
           </a:bodyPr>
+          <a:lstStyle/>
           <a:p>
             <a:pPr marL="432000" indent="-324000">
               <a:spcBef>
@@ -2873,17 +3127,14 @@
               <a:buChar char=""/>
             </a:pPr>
             <a:r>
-              <a:rPr b="0" lang="en-US" sz="3200" spc="-1" strike="noStrike">
+              <a:rPr lang="en-US" sz="3200" b="0" strike="noStrike" spc="-1">
                 <a:latin typeface="Arial"/>
               </a:rPr>
               <a:t>Click to edit the outline text format</a:t>
             </a:r>
-            <a:endParaRPr b="0" lang="en-US" sz="3200" spc="-1" strike="noStrike">
-              <a:latin typeface="Arial"/>
-            </a:endParaRPr>
-          </a:p>
-          <a:p>
-            <a:pPr lvl="1" marL="864000" indent="-324000">
+          </a:p>
+          <a:p>
+            <a:pPr marL="864000" lvl="1" indent="-324000">
               <a:spcBef>
                 <a:spcPts val="1134"/>
               </a:spcBef>
@@ -2895,17 +3146,14 @@
               <a:buChar char=""/>
             </a:pPr>
             <a:r>
-              <a:rPr b="0" lang="en-US" sz="2800" spc="-1" strike="noStrike">
+              <a:rPr lang="en-US" sz="2800" b="0" strike="noStrike" spc="-1">
                 <a:latin typeface="Arial"/>
               </a:rPr>
               <a:t>Second Outline Level</a:t>
             </a:r>
-            <a:endParaRPr b="0" lang="en-US" sz="2800" spc="-1" strike="noStrike">
-              <a:latin typeface="Arial"/>
-            </a:endParaRPr>
-          </a:p>
-          <a:p>
-            <a:pPr lvl="2" marL="1296000" indent="-288000">
+          </a:p>
+          <a:p>
+            <a:pPr marL="1296000" lvl="2" indent="-288000">
               <a:spcBef>
                 <a:spcPts val="850"/>
               </a:spcBef>
@@ -2917,17 +3165,14 @@
               <a:buChar char=""/>
             </a:pPr>
             <a:r>
-              <a:rPr b="0" lang="en-US" sz="2400" spc="-1" strike="noStrike">
+              <a:rPr lang="en-US" sz="2400" b="0" strike="noStrike" spc="-1">
                 <a:latin typeface="Arial"/>
               </a:rPr>
               <a:t>Third Outline Level</a:t>
             </a:r>
-            <a:endParaRPr b="0" lang="en-US" sz="2400" spc="-1" strike="noStrike">
-              <a:latin typeface="Arial"/>
-            </a:endParaRPr>
-          </a:p>
-          <a:p>
-            <a:pPr lvl="3" marL="1728000" indent="-216000">
+          </a:p>
+          <a:p>
+            <a:pPr marL="1728000" lvl="3" indent="-216000">
               <a:spcBef>
                 <a:spcPts val="567"/>
               </a:spcBef>
@@ -2939,17 +3184,14 @@
               <a:buChar char=""/>
             </a:pPr>
             <a:r>
-              <a:rPr b="0" lang="en-US" sz="2000" spc="-1" strike="noStrike">
+              <a:rPr lang="en-US" sz="2000" b="0" strike="noStrike" spc="-1">
                 <a:latin typeface="Arial"/>
               </a:rPr>
               <a:t>Fourth Outline Level</a:t>
             </a:r>
-            <a:endParaRPr b="0" lang="en-US" sz="2000" spc="-1" strike="noStrike">
-              <a:latin typeface="Arial"/>
-            </a:endParaRPr>
-          </a:p>
-          <a:p>
-            <a:pPr lvl="4" marL="2160000" indent="-216000">
+          </a:p>
+          <a:p>
+            <a:pPr marL="2160000" lvl="4" indent="-216000">
               <a:spcBef>
                 <a:spcPts val="283"/>
               </a:spcBef>
@@ -2961,17 +3203,14 @@
               <a:buChar char=""/>
             </a:pPr>
             <a:r>
-              <a:rPr b="0" lang="en-US" sz="2000" spc="-1" strike="noStrike">
+              <a:rPr lang="en-US" sz="2000" b="0" strike="noStrike" spc="-1">
                 <a:latin typeface="Arial"/>
               </a:rPr>
               <a:t>Fifth Outline Level</a:t>
             </a:r>
-            <a:endParaRPr b="0" lang="en-US" sz="2000" spc="-1" strike="noStrike">
-              <a:latin typeface="Arial"/>
-            </a:endParaRPr>
-          </a:p>
-          <a:p>
-            <a:pPr lvl="5" marL="2592000" indent="-216000">
+          </a:p>
+          <a:p>
+            <a:pPr marL="2592000" lvl="5" indent="-216000">
               <a:spcBef>
                 <a:spcPts val="283"/>
               </a:spcBef>
@@ -2983,17 +3222,14 @@
               <a:buChar char=""/>
             </a:pPr>
             <a:r>
-              <a:rPr b="0" lang="en-US" sz="2000" spc="-1" strike="noStrike">
+              <a:rPr lang="en-US" sz="2000" b="0" strike="noStrike" spc="-1">
                 <a:latin typeface="Arial"/>
               </a:rPr>
               <a:t>Sixth Outline Level</a:t>
             </a:r>
-            <a:endParaRPr b="0" lang="en-US" sz="2000" spc="-1" strike="noStrike">
-              <a:latin typeface="Arial"/>
-            </a:endParaRPr>
-          </a:p>
-          <a:p>
-            <a:pPr lvl="6" marL="3024000" indent="-216000">
+          </a:p>
+          <a:p>
+            <a:pPr marL="3024000" lvl="6" indent="-216000">
               <a:spcBef>
                 <a:spcPts val="283"/>
               </a:spcBef>
@@ -3005,45 +3241,323 @@
               <a:buChar char=""/>
             </a:pPr>
             <a:r>
-              <a:rPr b="0" lang="en-US" sz="2000" spc="-1" strike="noStrike">
+              <a:rPr lang="en-US" sz="2000" b="0" strike="noStrike" spc="-1">
                 <a:latin typeface="Arial"/>
               </a:rPr>
               <a:t>Seventh Outline Level</a:t>
             </a:r>
-            <a:endParaRPr b="0" lang="en-US" sz="2000" spc="-1" strike="noStrike">
-              <a:latin typeface="Arial"/>
-            </a:endParaRPr>
           </a:p>
         </p:txBody>
       </p:sp>
     </p:spTree>
   </p:cSld>
-  <p:clrMap bg1="lt1" bg2="lt2" tx1="dk1" tx2="dk2" accent1="accent1" accent2="accent2" accent3="accent3" accent4="accent4" accent5="accent5" accent6="accent6" hlink="hlink" folHlink="folHlink"/>
+  <p:clrMap bg1="lt1" tx1="dk1" bg2="lt2" tx2="dk2" accent1="accent1" accent2="accent2" accent3="accent3" accent4="accent4" accent5="accent5" accent6="accent6" hlink="hlink" folHlink="folHlink"/>
   <p:sldLayoutIdLst>
-    <p:sldLayoutId id="2147483649" r:id="rId2"/>
-    <p:sldLayoutId id="2147483650" r:id="rId3"/>
-    <p:sldLayoutId id="2147483651" r:id="rId4"/>
-    <p:sldLayoutId id="2147483652" r:id="rId5"/>
-    <p:sldLayoutId id="2147483653" r:id="rId6"/>
-    <p:sldLayoutId id="2147483654" r:id="rId7"/>
-    <p:sldLayoutId id="2147483655" r:id="rId8"/>
-    <p:sldLayoutId id="2147483656" r:id="rId9"/>
-    <p:sldLayoutId id="2147483657" r:id="rId10"/>
-    <p:sldLayoutId id="2147483658" r:id="rId11"/>
-    <p:sldLayoutId id="2147483659" r:id="rId12"/>
-    <p:sldLayoutId id="2147483660" r:id="rId13"/>
+    <p:sldLayoutId id="2147483649" r:id="rId1"/>
+    <p:sldLayoutId id="2147483650" r:id="rId2"/>
+    <p:sldLayoutId id="2147483651" r:id="rId3"/>
+    <p:sldLayoutId id="2147483652" r:id="rId4"/>
+    <p:sldLayoutId id="2147483653" r:id="rId5"/>
+    <p:sldLayoutId id="2147483654" r:id="rId6"/>
+    <p:sldLayoutId id="2147483655" r:id="rId7"/>
+    <p:sldLayoutId id="2147483656" r:id="rId8"/>
+    <p:sldLayoutId id="2147483657" r:id="rId9"/>
+    <p:sldLayoutId id="2147483658" r:id="rId10"/>
+    <p:sldLayoutId id="2147483659" r:id="rId11"/>
+    <p:sldLayoutId id="2147483660" r:id="rId12"/>
   </p:sldLayoutIdLst>
+  <p:txStyles>
+    <p:titleStyle>
+      <a:lvl1pPr algn="l" defTabSz="914400" rtl="0" eaLnBrk="1" latinLnBrk="0" hangingPunct="1">
+        <a:lnSpc>
+          <a:spcPct val="90000"/>
+        </a:lnSpc>
+        <a:spcBef>
+          <a:spcPct val="0"/>
+        </a:spcBef>
+        <a:buNone/>
+        <a:defRPr sz="4400" kern="1200">
+          <a:solidFill>
+            <a:schemeClr val="tx1"/>
+          </a:solidFill>
+          <a:latin typeface="+mj-lt"/>
+          <a:ea typeface="+mj-ea"/>
+          <a:cs typeface="+mj-cs"/>
+        </a:defRPr>
+      </a:lvl1pPr>
+    </p:titleStyle>
+    <p:bodyStyle>
+      <a:lvl1pPr marL="228600" indent="-228600" algn="l" defTabSz="914400" rtl="0" eaLnBrk="1" latinLnBrk="0" hangingPunct="1">
+        <a:lnSpc>
+          <a:spcPct val="90000"/>
+        </a:lnSpc>
+        <a:spcBef>
+          <a:spcPts val="1000"/>
+        </a:spcBef>
+        <a:buFont typeface="Arial" panose="020B0604020202020204" pitchFamily="34" charset="0"/>
+        <a:buChar char="•"/>
+        <a:defRPr sz="2800" kern="1200">
+          <a:solidFill>
+            <a:schemeClr val="tx1"/>
+          </a:solidFill>
+          <a:latin typeface="+mn-lt"/>
+          <a:ea typeface="+mn-ea"/>
+          <a:cs typeface="+mn-cs"/>
+        </a:defRPr>
+      </a:lvl1pPr>
+      <a:lvl2pPr marL="685800" indent="-228600" algn="l" defTabSz="914400" rtl="0" eaLnBrk="1" latinLnBrk="0" hangingPunct="1">
+        <a:lnSpc>
+          <a:spcPct val="90000"/>
+        </a:lnSpc>
+        <a:spcBef>
+          <a:spcPts val="500"/>
+        </a:spcBef>
+        <a:buFont typeface="Arial" panose="020B0604020202020204" pitchFamily="34" charset="0"/>
+        <a:buChar char="•"/>
+        <a:defRPr sz="2400" kern="1200">
+          <a:solidFill>
+            <a:schemeClr val="tx1"/>
+          </a:solidFill>
+          <a:latin typeface="+mn-lt"/>
+          <a:ea typeface="+mn-ea"/>
+          <a:cs typeface="+mn-cs"/>
+        </a:defRPr>
+      </a:lvl2pPr>
+      <a:lvl3pPr marL="1143000" indent="-228600" algn="l" defTabSz="914400" rtl="0" eaLnBrk="1" latinLnBrk="0" hangingPunct="1">
+        <a:lnSpc>
+          <a:spcPct val="90000"/>
+        </a:lnSpc>
+        <a:spcBef>
+          <a:spcPts val="500"/>
+        </a:spcBef>
+        <a:buFont typeface="Arial" panose="020B0604020202020204" pitchFamily="34" charset="0"/>
+        <a:buChar char="•"/>
+        <a:defRPr sz="2000" kern="1200">
+          <a:solidFill>
+            <a:schemeClr val="tx1"/>
+          </a:solidFill>
+          <a:latin typeface="+mn-lt"/>
+          <a:ea typeface="+mn-ea"/>
+          <a:cs typeface="+mn-cs"/>
+        </a:defRPr>
+      </a:lvl3pPr>
+      <a:lvl4pPr marL="1600200" indent="-228600" algn="l" defTabSz="914400" rtl="0" eaLnBrk="1" latinLnBrk="0" hangingPunct="1">
+        <a:lnSpc>
+          <a:spcPct val="90000"/>
+        </a:lnSpc>
+        <a:spcBef>
+          <a:spcPts val="500"/>
+        </a:spcBef>
+        <a:buFont typeface="Arial" panose="020B0604020202020204" pitchFamily="34" charset="0"/>
+        <a:buChar char="•"/>
+        <a:defRPr sz="1800" kern="1200">
+          <a:solidFill>
+            <a:schemeClr val="tx1"/>
+          </a:solidFill>
+          <a:latin typeface="+mn-lt"/>
+          <a:ea typeface="+mn-ea"/>
+          <a:cs typeface="+mn-cs"/>
+        </a:defRPr>
+      </a:lvl4pPr>
+      <a:lvl5pPr marL="2057400" indent="-228600" algn="l" defTabSz="914400" rtl="0" eaLnBrk="1" latinLnBrk="0" hangingPunct="1">
+        <a:lnSpc>
+          <a:spcPct val="90000"/>
+        </a:lnSpc>
+        <a:spcBef>
+          <a:spcPts val="500"/>
+        </a:spcBef>
+        <a:buFont typeface="Arial" panose="020B0604020202020204" pitchFamily="34" charset="0"/>
+        <a:buChar char="•"/>
+        <a:defRPr sz="1800" kern="1200">
+          <a:solidFill>
+            <a:schemeClr val="tx1"/>
+          </a:solidFill>
+          <a:latin typeface="+mn-lt"/>
+          <a:ea typeface="+mn-ea"/>
+          <a:cs typeface="+mn-cs"/>
+        </a:defRPr>
+      </a:lvl5pPr>
+      <a:lvl6pPr marL="2514600" indent="-228600" algn="l" defTabSz="914400" rtl="0" eaLnBrk="1" latinLnBrk="0" hangingPunct="1">
+        <a:lnSpc>
+          <a:spcPct val="90000"/>
+        </a:lnSpc>
+        <a:spcBef>
+          <a:spcPts val="500"/>
+        </a:spcBef>
+        <a:buFont typeface="Arial" panose="020B0604020202020204" pitchFamily="34" charset="0"/>
+        <a:buChar char="•"/>
+        <a:defRPr sz="1800" kern="1200">
+          <a:solidFill>
+            <a:schemeClr val="tx1"/>
+          </a:solidFill>
+          <a:latin typeface="+mn-lt"/>
+          <a:ea typeface="+mn-ea"/>
+          <a:cs typeface="+mn-cs"/>
+        </a:defRPr>
+      </a:lvl6pPr>
+      <a:lvl7pPr marL="2971800" indent="-228600" algn="l" defTabSz="914400" rtl="0" eaLnBrk="1" latinLnBrk="0" hangingPunct="1">
+        <a:lnSpc>
+          <a:spcPct val="90000"/>
+        </a:lnSpc>
+        <a:spcBef>
+          <a:spcPts val="500"/>
+        </a:spcBef>
+        <a:buFont typeface="Arial" panose="020B0604020202020204" pitchFamily="34" charset="0"/>
+        <a:buChar char="•"/>
+        <a:defRPr sz="1800" kern="1200">
+          <a:solidFill>
+            <a:schemeClr val="tx1"/>
+          </a:solidFill>
+          <a:latin typeface="+mn-lt"/>
+          <a:ea typeface="+mn-ea"/>
+          <a:cs typeface="+mn-cs"/>
+        </a:defRPr>
+      </a:lvl7pPr>
+      <a:lvl8pPr marL="3429000" indent="-228600" algn="l" defTabSz="914400" rtl="0" eaLnBrk="1" latinLnBrk="0" hangingPunct="1">
+        <a:lnSpc>
+          <a:spcPct val="90000"/>
+        </a:lnSpc>
+        <a:spcBef>
+          <a:spcPts val="500"/>
+        </a:spcBef>
+        <a:buFont typeface="Arial" panose="020B0604020202020204" pitchFamily="34" charset="0"/>
+        <a:buChar char="•"/>
+        <a:defRPr sz="1800" kern="1200">
+          <a:solidFill>
+            <a:schemeClr val="tx1"/>
+          </a:solidFill>
+          <a:latin typeface="+mn-lt"/>
+          <a:ea typeface="+mn-ea"/>
+          <a:cs typeface="+mn-cs"/>
+        </a:defRPr>
+      </a:lvl8pPr>
+      <a:lvl9pPr marL="3886200" indent="-228600" algn="l" defTabSz="914400" rtl="0" eaLnBrk="1" latinLnBrk="0" hangingPunct="1">
+        <a:lnSpc>
+          <a:spcPct val="90000"/>
+        </a:lnSpc>
+        <a:spcBef>
+          <a:spcPts val="500"/>
+        </a:spcBef>
+        <a:buFont typeface="Arial" panose="020B0604020202020204" pitchFamily="34" charset="0"/>
+        <a:buChar char="•"/>
+        <a:defRPr sz="1800" kern="1200">
+          <a:solidFill>
+            <a:schemeClr val="tx1"/>
+          </a:solidFill>
+          <a:latin typeface="+mn-lt"/>
+          <a:ea typeface="+mn-ea"/>
+          <a:cs typeface="+mn-cs"/>
+        </a:defRPr>
+      </a:lvl9pPr>
+    </p:bodyStyle>
+    <p:otherStyle>
+      <a:defPPr>
+        <a:defRPr lang="en-US"/>
+      </a:defPPr>
+      <a:lvl1pPr marL="0" algn="l" defTabSz="914400" rtl="0" eaLnBrk="1" latinLnBrk="0" hangingPunct="1">
+        <a:defRPr sz="1800" kern="1200">
+          <a:solidFill>
+            <a:schemeClr val="tx1"/>
+          </a:solidFill>
+          <a:latin typeface="+mn-lt"/>
+          <a:ea typeface="+mn-ea"/>
+          <a:cs typeface="+mn-cs"/>
+        </a:defRPr>
+      </a:lvl1pPr>
+      <a:lvl2pPr marL="457200" algn="l" defTabSz="914400" rtl="0" eaLnBrk="1" latinLnBrk="0" hangingPunct="1">
+        <a:defRPr sz="1800" kern="1200">
+          <a:solidFill>
+            <a:schemeClr val="tx1"/>
+          </a:solidFill>
+          <a:latin typeface="+mn-lt"/>
+          <a:ea typeface="+mn-ea"/>
+          <a:cs typeface="+mn-cs"/>
+        </a:defRPr>
+      </a:lvl2pPr>
+      <a:lvl3pPr marL="914400" algn="l" defTabSz="914400" rtl="0" eaLnBrk="1" latinLnBrk="0" hangingPunct="1">
+        <a:defRPr sz="1800" kern="1200">
+          <a:solidFill>
+            <a:schemeClr val="tx1"/>
+          </a:solidFill>
+          <a:latin typeface="+mn-lt"/>
+          <a:ea typeface="+mn-ea"/>
+          <a:cs typeface="+mn-cs"/>
+        </a:defRPr>
+      </a:lvl3pPr>
+      <a:lvl4pPr marL="1371600" algn="l" defTabSz="914400" rtl="0" eaLnBrk="1" latinLnBrk="0" hangingPunct="1">
+        <a:defRPr sz="1800" kern="1200">
+          <a:solidFill>
+            <a:schemeClr val="tx1"/>
+          </a:solidFill>
+          <a:latin typeface="+mn-lt"/>
+          <a:ea typeface="+mn-ea"/>
+          <a:cs typeface="+mn-cs"/>
+        </a:defRPr>
+      </a:lvl4pPr>
+      <a:lvl5pPr marL="1828800" algn="l" defTabSz="914400" rtl="0" eaLnBrk="1" latinLnBrk="0" hangingPunct="1">
+        <a:defRPr sz="1800" kern="1200">
+          <a:solidFill>
+            <a:schemeClr val="tx1"/>
+          </a:solidFill>
+          <a:latin typeface="+mn-lt"/>
+          <a:ea typeface="+mn-ea"/>
+          <a:cs typeface="+mn-cs"/>
+        </a:defRPr>
+      </a:lvl5pPr>
+      <a:lvl6pPr marL="2286000" algn="l" defTabSz="914400" rtl="0" eaLnBrk="1" latinLnBrk="0" hangingPunct="1">
+        <a:defRPr sz="1800" kern="1200">
+          <a:solidFill>
+            <a:schemeClr val="tx1"/>
+          </a:solidFill>
+          <a:latin typeface="+mn-lt"/>
+          <a:ea typeface="+mn-ea"/>
+          <a:cs typeface="+mn-cs"/>
+        </a:defRPr>
+      </a:lvl6pPr>
+      <a:lvl7pPr marL="2743200" algn="l" defTabSz="914400" rtl="0" eaLnBrk="1" latinLnBrk="0" hangingPunct="1">
+        <a:defRPr sz="1800" kern="1200">
+          <a:solidFill>
+            <a:schemeClr val="tx1"/>
+          </a:solidFill>
+          <a:latin typeface="+mn-lt"/>
+          <a:ea typeface="+mn-ea"/>
+          <a:cs typeface="+mn-cs"/>
+        </a:defRPr>
+      </a:lvl7pPr>
+      <a:lvl8pPr marL="3200400" algn="l" defTabSz="914400" rtl="0" eaLnBrk="1" latinLnBrk="0" hangingPunct="1">
+        <a:defRPr sz="1800" kern="1200">
+          <a:solidFill>
+            <a:schemeClr val="tx1"/>
+          </a:solidFill>
+          <a:latin typeface="+mn-lt"/>
+          <a:ea typeface="+mn-ea"/>
+          <a:cs typeface="+mn-cs"/>
+        </a:defRPr>
+      </a:lvl8pPr>
+      <a:lvl9pPr marL="3657600" algn="l" defTabSz="914400" rtl="0" eaLnBrk="1" latinLnBrk="0" hangingPunct="1">
+        <a:defRPr sz="1800" kern="1200">
+          <a:solidFill>
+            <a:schemeClr val="tx1"/>
+          </a:solidFill>
+          <a:latin typeface="+mn-lt"/>
+          <a:ea typeface="+mn-ea"/>
+          <a:cs typeface="+mn-cs"/>
+        </a:defRPr>
+      </a:lvl9pPr>
+    </p:otherStyle>
+  </p:txStyles>
 </p:sldMaster>
 </file>
 
 <file path=ppt/slideMasters/slideMaster2.xml><?xml version="1.0" encoding="utf-8"?>
-<p:sldMaster xmlns:a="http://schemas.openxmlformats.org/drawingml/2006/main" xmlns:p="http://schemas.openxmlformats.org/presentationml/2006/main" xmlns:r="http://schemas.openxmlformats.org/officeDocument/2006/relationships" xmlns:p14="http://schemas.microsoft.com/office/powerpoint/2010/main" xmlns:p15="http://schemas.microsoft.com/office/powerpoint/2012/main" xmlns:mc="http://schemas.openxmlformats.org/markup-compatibility/2006">
+<p:sldMaster xmlns:a="http://schemas.openxmlformats.org/drawingml/2006/main" xmlns:r="http://schemas.openxmlformats.org/officeDocument/2006/relationships" xmlns:p="http://schemas.openxmlformats.org/presentationml/2006/main">
   <p:cSld>
     <p:bg>
       <p:bgPr>
         <a:solidFill>
-          <a:srgbClr val="ffffff"/>
+          <a:srgbClr val="FFFFFF"/>
         </a:solidFill>
+        <a:effectLst/>
       </p:bgPr>
     </p:bg>
     <p:spTree>
@@ -3080,15 +3594,22 @@
           </a:ln>
         </p:spPr>
         <p:style>
-          <a:lnRef idx="0"/>
-          <a:fillRef idx="0"/>
-          <a:effectRef idx="0"/>
+          <a:lnRef idx="0">
+            <a:scrgbClr r="0" g="0" b="0"/>
+          </a:lnRef>
+          <a:fillRef idx="0">
+            <a:scrgbClr r="0" g="0" b="0"/>
+          </a:fillRef>
+          <a:effectRef idx="0">
+            <a:scrgbClr r="0" g="0" b="0"/>
+          </a:effectRef>
           <a:fontRef idx="minor"/>
         </p:style>
         <p:txBody>
-          <a:bodyPr lIns="0" rIns="0" tIns="0" bIns="0" anchor="ctr" anchorCtr="1">
+          <a:bodyPr lIns="0" tIns="0" rIns="0" bIns="0" anchor="ctr" anchorCtr="1">
             <a:spAutoFit/>
           </a:bodyPr>
+          <a:lstStyle/>
           <a:p>
             <a:pPr algn="ctr">
               <a:lnSpc>
@@ -3096,7 +3617,7 @@
               </a:lnSpc>
             </a:pPr>
             <a:r>
-              <a:rPr b="0" lang="en-IN" sz="700" spc="-1" strike="noStrike">
+              <a:rPr lang="en-IN" sz="700" b="0" strike="noStrike" spc="-1">
                 <a:solidFill>
                   <a:srgbClr val="000000"/>
                 </a:solidFill>
@@ -3105,7 +3626,7 @@
               </a:rPr>
               <a:t>Sensitivity: Internal &amp; Restricted</a:t>
             </a:r>
-            <a:endParaRPr b="0" lang="en-US" sz="700" spc="-1" strike="noStrike">
+            <a:endParaRPr lang="en-US" sz="700" b="0" strike="noStrike" spc="-1">
               <a:latin typeface="Arial"/>
             </a:endParaRPr>
           </a:p>
@@ -3131,20 +3652,18 @@
           </a:prstGeom>
         </p:spPr>
         <p:txBody>
-          <a:bodyPr lIns="0" rIns="0" tIns="0" bIns="0" anchor="ctr">
+          <a:bodyPr lIns="0" tIns="0" rIns="0" bIns="0" anchor="ctr">
             <a:noAutofit/>
           </a:bodyPr>
+          <a:lstStyle/>
           <a:p>
             <a:pPr algn="ctr"/>
             <a:r>
-              <a:rPr b="0" lang="en-US" sz="4400" spc="-1" strike="noStrike">
+              <a:rPr lang="en-US" sz="4400" b="0" strike="noStrike" spc="-1">
                 <a:latin typeface="Arial"/>
               </a:rPr>
               <a:t>Click to edit the title text format</a:t>
             </a:r>
-            <a:endParaRPr b="0" lang="en-US" sz="4400" spc="-1" strike="noStrike">
-              <a:latin typeface="Arial"/>
-            </a:endParaRPr>
           </a:p>
         </p:txBody>
       </p:sp>
@@ -3168,9 +3687,10 @@
           </a:prstGeom>
         </p:spPr>
         <p:txBody>
-          <a:bodyPr lIns="0" rIns="0" tIns="0" bIns="0">
+          <a:bodyPr lIns="0" tIns="0" rIns="0" bIns="0">
             <a:normAutofit/>
           </a:bodyPr>
+          <a:lstStyle/>
           <a:p>
             <a:pPr marL="432000" indent="-324000">
               <a:spcBef>
@@ -3184,17 +3704,14 @@
               <a:buChar char=""/>
             </a:pPr>
             <a:r>
-              <a:rPr b="0" lang="en-US" sz="3200" spc="-1" strike="noStrike">
+              <a:rPr lang="en-US" sz="3200" b="0" strike="noStrike" spc="-1">
                 <a:latin typeface="Arial"/>
               </a:rPr>
               <a:t>Click to edit the outline text format</a:t>
             </a:r>
-            <a:endParaRPr b="0" lang="en-US" sz="3200" spc="-1" strike="noStrike">
-              <a:latin typeface="Arial"/>
-            </a:endParaRPr>
-          </a:p>
-          <a:p>
-            <a:pPr lvl="1" marL="864000" indent="-324000">
+          </a:p>
+          <a:p>
+            <a:pPr marL="864000" lvl="1" indent="-324000">
               <a:spcBef>
                 <a:spcPts val="1134"/>
               </a:spcBef>
@@ -3206,17 +3723,14 @@
               <a:buChar char=""/>
             </a:pPr>
             <a:r>
-              <a:rPr b="0" lang="en-US" sz="2800" spc="-1" strike="noStrike">
+              <a:rPr lang="en-US" sz="2800" b="0" strike="noStrike" spc="-1">
                 <a:latin typeface="Arial"/>
               </a:rPr>
               <a:t>Second Outline Level</a:t>
             </a:r>
-            <a:endParaRPr b="0" lang="en-US" sz="2800" spc="-1" strike="noStrike">
-              <a:latin typeface="Arial"/>
-            </a:endParaRPr>
-          </a:p>
-          <a:p>
-            <a:pPr lvl="2" marL="1296000" indent="-288000">
+          </a:p>
+          <a:p>
+            <a:pPr marL="1296000" lvl="2" indent="-288000">
               <a:spcBef>
                 <a:spcPts val="850"/>
               </a:spcBef>
@@ -3228,17 +3742,14 @@
               <a:buChar char=""/>
             </a:pPr>
             <a:r>
-              <a:rPr b="0" lang="en-US" sz="2400" spc="-1" strike="noStrike">
+              <a:rPr lang="en-US" sz="2400" b="0" strike="noStrike" spc="-1">
                 <a:latin typeface="Arial"/>
               </a:rPr>
               <a:t>Third Outline Level</a:t>
             </a:r>
-            <a:endParaRPr b="0" lang="en-US" sz="2400" spc="-1" strike="noStrike">
-              <a:latin typeface="Arial"/>
-            </a:endParaRPr>
-          </a:p>
-          <a:p>
-            <a:pPr lvl="3" marL="1728000" indent="-216000">
+          </a:p>
+          <a:p>
+            <a:pPr marL="1728000" lvl="3" indent="-216000">
               <a:spcBef>
                 <a:spcPts val="567"/>
               </a:spcBef>
@@ -3250,17 +3761,14 @@
               <a:buChar char=""/>
             </a:pPr>
             <a:r>
-              <a:rPr b="0" lang="en-US" sz="2000" spc="-1" strike="noStrike">
+              <a:rPr lang="en-US" sz="2000" b="0" strike="noStrike" spc="-1">
                 <a:latin typeface="Arial"/>
               </a:rPr>
               <a:t>Fourth Outline Level</a:t>
             </a:r>
-            <a:endParaRPr b="0" lang="en-US" sz="2000" spc="-1" strike="noStrike">
-              <a:latin typeface="Arial"/>
-            </a:endParaRPr>
-          </a:p>
-          <a:p>
-            <a:pPr lvl="4" marL="2160000" indent="-216000">
+          </a:p>
+          <a:p>
+            <a:pPr marL="2160000" lvl="4" indent="-216000">
               <a:spcBef>
                 <a:spcPts val="283"/>
               </a:spcBef>
@@ -3272,17 +3780,14 @@
               <a:buChar char=""/>
             </a:pPr>
             <a:r>
-              <a:rPr b="0" lang="en-US" sz="2000" spc="-1" strike="noStrike">
+              <a:rPr lang="en-US" sz="2000" b="0" strike="noStrike" spc="-1">
                 <a:latin typeface="Arial"/>
               </a:rPr>
               <a:t>Fifth Outline Level</a:t>
             </a:r>
-            <a:endParaRPr b="0" lang="en-US" sz="2000" spc="-1" strike="noStrike">
-              <a:latin typeface="Arial"/>
-            </a:endParaRPr>
-          </a:p>
-          <a:p>
-            <a:pPr lvl="5" marL="2592000" indent="-216000">
+          </a:p>
+          <a:p>
+            <a:pPr marL="2592000" lvl="5" indent="-216000">
               <a:spcBef>
                 <a:spcPts val="283"/>
               </a:spcBef>
@@ -3294,17 +3799,14 @@
               <a:buChar char=""/>
             </a:pPr>
             <a:r>
-              <a:rPr b="0" lang="en-US" sz="2000" spc="-1" strike="noStrike">
+              <a:rPr lang="en-US" sz="2000" b="0" strike="noStrike" spc="-1">
                 <a:latin typeface="Arial"/>
               </a:rPr>
               <a:t>Sixth Outline Level</a:t>
             </a:r>
-            <a:endParaRPr b="0" lang="en-US" sz="2000" spc="-1" strike="noStrike">
-              <a:latin typeface="Arial"/>
-            </a:endParaRPr>
-          </a:p>
-          <a:p>
-            <a:pPr lvl="6" marL="3024000" indent="-216000">
+          </a:p>
+          <a:p>
+            <a:pPr marL="3024000" lvl="6" indent="-216000">
               <a:spcBef>
                 <a:spcPts val="283"/>
               </a:spcBef>
@@ -3316,39 +3818,316 @@
               <a:buChar char=""/>
             </a:pPr>
             <a:r>
-              <a:rPr b="0" lang="en-US" sz="2000" spc="-1" strike="noStrike">
+              <a:rPr lang="en-US" sz="2000" b="0" strike="noStrike" spc="-1">
                 <a:latin typeface="Arial"/>
               </a:rPr>
               <a:t>Seventh Outline Level</a:t>
             </a:r>
-            <a:endParaRPr b="0" lang="en-US" sz="2000" spc="-1" strike="noStrike">
-              <a:latin typeface="Arial"/>
-            </a:endParaRPr>
           </a:p>
         </p:txBody>
       </p:sp>
     </p:spTree>
   </p:cSld>
-  <p:clrMap bg1="lt1" bg2="lt2" tx1="dk1" tx2="dk2" accent1="accent1" accent2="accent2" accent3="accent3" accent4="accent4" accent5="accent5" accent6="accent6" hlink="hlink" folHlink="folHlink"/>
+  <p:clrMap bg1="lt1" tx1="dk1" bg2="lt2" tx2="dk2" accent1="accent1" accent2="accent2" accent3="accent3" accent4="accent4" accent5="accent5" accent6="accent6" hlink="hlink" folHlink="folHlink"/>
   <p:sldLayoutIdLst>
-    <p:sldLayoutId id="2147483662" r:id="rId2"/>
-    <p:sldLayoutId id="2147483663" r:id="rId3"/>
-    <p:sldLayoutId id="2147483664" r:id="rId4"/>
-    <p:sldLayoutId id="2147483665" r:id="rId5"/>
-    <p:sldLayoutId id="2147483666" r:id="rId6"/>
-    <p:sldLayoutId id="2147483667" r:id="rId7"/>
-    <p:sldLayoutId id="2147483668" r:id="rId8"/>
-    <p:sldLayoutId id="2147483669" r:id="rId9"/>
-    <p:sldLayoutId id="2147483670" r:id="rId10"/>
-    <p:sldLayoutId id="2147483671" r:id="rId11"/>
-    <p:sldLayoutId id="2147483672" r:id="rId12"/>
-    <p:sldLayoutId id="2147483673" r:id="rId13"/>
+    <p:sldLayoutId id="2147483662" r:id="rId1"/>
+    <p:sldLayoutId id="2147483663" r:id="rId2"/>
+    <p:sldLayoutId id="2147483664" r:id="rId3"/>
+    <p:sldLayoutId id="2147483665" r:id="rId4"/>
+    <p:sldLayoutId id="2147483666" r:id="rId5"/>
+    <p:sldLayoutId id="2147483667" r:id="rId6"/>
+    <p:sldLayoutId id="2147483668" r:id="rId7"/>
+    <p:sldLayoutId id="2147483669" r:id="rId8"/>
+    <p:sldLayoutId id="2147483670" r:id="rId9"/>
+    <p:sldLayoutId id="2147483671" r:id="rId10"/>
+    <p:sldLayoutId id="2147483672" r:id="rId11"/>
+    <p:sldLayoutId id="2147483673" r:id="rId12"/>
   </p:sldLayoutIdLst>
+  <p:txStyles>
+    <p:titleStyle>
+      <a:lvl1pPr algn="l" defTabSz="914400" rtl="0" eaLnBrk="1" latinLnBrk="0" hangingPunct="1">
+        <a:lnSpc>
+          <a:spcPct val="90000"/>
+        </a:lnSpc>
+        <a:spcBef>
+          <a:spcPct val="0"/>
+        </a:spcBef>
+        <a:buNone/>
+        <a:defRPr sz="4400" kern="1200">
+          <a:solidFill>
+            <a:schemeClr val="tx1"/>
+          </a:solidFill>
+          <a:latin typeface="+mj-lt"/>
+          <a:ea typeface="+mj-ea"/>
+          <a:cs typeface="+mj-cs"/>
+        </a:defRPr>
+      </a:lvl1pPr>
+    </p:titleStyle>
+    <p:bodyStyle>
+      <a:lvl1pPr marL="228600" indent="-228600" algn="l" defTabSz="914400" rtl="0" eaLnBrk="1" latinLnBrk="0" hangingPunct="1">
+        <a:lnSpc>
+          <a:spcPct val="90000"/>
+        </a:lnSpc>
+        <a:spcBef>
+          <a:spcPts val="1000"/>
+        </a:spcBef>
+        <a:buFont typeface="Arial" panose="020B0604020202020204" pitchFamily="34" charset="0"/>
+        <a:buChar char="•"/>
+        <a:defRPr sz="2800" kern="1200">
+          <a:solidFill>
+            <a:schemeClr val="tx1"/>
+          </a:solidFill>
+          <a:latin typeface="+mn-lt"/>
+          <a:ea typeface="+mn-ea"/>
+          <a:cs typeface="+mn-cs"/>
+        </a:defRPr>
+      </a:lvl1pPr>
+      <a:lvl2pPr marL="685800" indent="-228600" algn="l" defTabSz="914400" rtl="0" eaLnBrk="1" latinLnBrk="0" hangingPunct="1">
+        <a:lnSpc>
+          <a:spcPct val="90000"/>
+        </a:lnSpc>
+        <a:spcBef>
+          <a:spcPts val="500"/>
+        </a:spcBef>
+        <a:buFont typeface="Arial" panose="020B0604020202020204" pitchFamily="34" charset="0"/>
+        <a:buChar char="•"/>
+        <a:defRPr sz="2400" kern="1200">
+          <a:solidFill>
+            <a:schemeClr val="tx1"/>
+          </a:solidFill>
+          <a:latin typeface="+mn-lt"/>
+          <a:ea typeface="+mn-ea"/>
+          <a:cs typeface="+mn-cs"/>
+        </a:defRPr>
+      </a:lvl2pPr>
+      <a:lvl3pPr marL="1143000" indent="-228600" algn="l" defTabSz="914400" rtl="0" eaLnBrk="1" latinLnBrk="0" hangingPunct="1">
+        <a:lnSpc>
+          <a:spcPct val="90000"/>
+        </a:lnSpc>
+        <a:spcBef>
+          <a:spcPts val="500"/>
+        </a:spcBef>
+        <a:buFont typeface="Arial" panose="020B0604020202020204" pitchFamily="34" charset="0"/>
+        <a:buChar char="•"/>
+        <a:defRPr sz="2000" kern="1200">
+          <a:solidFill>
+            <a:schemeClr val="tx1"/>
+          </a:solidFill>
+          <a:latin typeface="+mn-lt"/>
+          <a:ea typeface="+mn-ea"/>
+          <a:cs typeface="+mn-cs"/>
+        </a:defRPr>
+      </a:lvl3pPr>
+      <a:lvl4pPr marL="1600200" indent="-228600" algn="l" defTabSz="914400" rtl="0" eaLnBrk="1" latinLnBrk="0" hangingPunct="1">
+        <a:lnSpc>
+          <a:spcPct val="90000"/>
+        </a:lnSpc>
+        <a:spcBef>
+          <a:spcPts val="500"/>
+        </a:spcBef>
+        <a:buFont typeface="Arial" panose="020B0604020202020204" pitchFamily="34" charset="0"/>
+        <a:buChar char="•"/>
+        <a:defRPr sz="1800" kern="1200">
+          <a:solidFill>
+            <a:schemeClr val="tx1"/>
+          </a:solidFill>
+          <a:latin typeface="+mn-lt"/>
+          <a:ea typeface="+mn-ea"/>
+          <a:cs typeface="+mn-cs"/>
+        </a:defRPr>
+      </a:lvl4pPr>
+      <a:lvl5pPr marL="2057400" indent="-228600" algn="l" defTabSz="914400" rtl="0" eaLnBrk="1" latinLnBrk="0" hangingPunct="1">
+        <a:lnSpc>
+          <a:spcPct val="90000"/>
+        </a:lnSpc>
+        <a:spcBef>
+          <a:spcPts val="500"/>
+        </a:spcBef>
+        <a:buFont typeface="Arial" panose="020B0604020202020204" pitchFamily="34" charset="0"/>
+        <a:buChar char="•"/>
+        <a:defRPr sz="1800" kern="1200">
+          <a:solidFill>
+            <a:schemeClr val="tx1"/>
+          </a:solidFill>
+          <a:latin typeface="+mn-lt"/>
+          <a:ea typeface="+mn-ea"/>
+          <a:cs typeface="+mn-cs"/>
+        </a:defRPr>
+      </a:lvl5pPr>
+      <a:lvl6pPr marL="2514600" indent="-228600" algn="l" defTabSz="914400" rtl="0" eaLnBrk="1" latinLnBrk="0" hangingPunct="1">
+        <a:lnSpc>
+          <a:spcPct val="90000"/>
+        </a:lnSpc>
+        <a:spcBef>
+          <a:spcPts val="500"/>
+        </a:spcBef>
+        <a:buFont typeface="Arial" panose="020B0604020202020204" pitchFamily="34" charset="0"/>
+        <a:buChar char="•"/>
+        <a:defRPr sz="1800" kern="1200">
+          <a:solidFill>
+            <a:schemeClr val="tx1"/>
+          </a:solidFill>
+          <a:latin typeface="+mn-lt"/>
+          <a:ea typeface="+mn-ea"/>
+          <a:cs typeface="+mn-cs"/>
+        </a:defRPr>
+      </a:lvl6pPr>
+      <a:lvl7pPr marL="2971800" indent="-228600" algn="l" defTabSz="914400" rtl="0" eaLnBrk="1" latinLnBrk="0" hangingPunct="1">
+        <a:lnSpc>
+          <a:spcPct val="90000"/>
+        </a:lnSpc>
+        <a:spcBef>
+          <a:spcPts val="500"/>
+        </a:spcBef>
+        <a:buFont typeface="Arial" panose="020B0604020202020204" pitchFamily="34" charset="0"/>
+        <a:buChar char="•"/>
+        <a:defRPr sz="1800" kern="1200">
+          <a:solidFill>
+            <a:schemeClr val="tx1"/>
+          </a:solidFill>
+          <a:latin typeface="+mn-lt"/>
+          <a:ea typeface="+mn-ea"/>
+          <a:cs typeface="+mn-cs"/>
+        </a:defRPr>
+      </a:lvl7pPr>
+      <a:lvl8pPr marL="3429000" indent="-228600" algn="l" defTabSz="914400" rtl="0" eaLnBrk="1" latinLnBrk="0" hangingPunct="1">
+        <a:lnSpc>
+          <a:spcPct val="90000"/>
+        </a:lnSpc>
+        <a:spcBef>
+          <a:spcPts val="500"/>
+        </a:spcBef>
+        <a:buFont typeface="Arial" panose="020B0604020202020204" pitchFamily="34" charset="0"/>
+        <a:buChar char="•"/>
+        <a:defRPr sz="1800" kern="1200">
+          <a:solidFill>
+            <a:schemeClr val="tx1"/>
+          </a:solidFill>
+          <a:latin typeface="+mn-lt"/>
+          <a:ea typeface="+mn-ea"/>
+          <a:cs typeface="+mn-cs"/>
+        </a:defRPr>
+      </a:lvl8pPr>
+      <a:lvl9pPr marL="3886200" indent="-228600" algn="l" defTabSz="914400" rtl="0" eaLnBrk="1" latinLnBrk="0" hangingPunct="1">
+        <a:lnSpc>
+          <a:spcPct val="90000"/>
+        </a:lnSpc>
+        <a:spcBef>
+          <a:spcPts val="500"/>
+        </a:spcBef>
+        <a:buFont typeface="Arial" panose="020B0604020202020204" pitchFamily="34" charset="0"/>
+        <a:buChar char="•"/>
+        <a:defRPr sz="1800" kern="1200">
+          <a:solidFill>
+            <a:schemeClr val="tx1"/>
+          </a:solidFill>
+          <a:latin typeface="+mn-lt"/>
+          <a:ea typeface="+mn-ea"/>
+          <a:cs typeface="+mn-cs"/>
+        </a:defRPr>
+      </a:lvl9pPr>
+    </p:bodyStyle>
+    <p:otherStyle>
+      <a:defPPr>
+        <a:defRPr lang="en-US"/>
+      </a:defPPr>
+      <a:lvl1pPr marL="0" algn="l" defTabSz="914400" rtl="0" eaLnBrk="1" latinLnBrk="0" hangingPunct="1">
+        <a:defRPr sz="1800" kern="1200">
+          <a:solidFill>
+            <a:schemeClr val="tx1"/>
+          </a:solidFill>
+          <a:latin typeface="+mn-lt"/>
+          <a:ea typeface="+mn-ea"/>
+          <a:cs typeface="+mn-cs"/>
+        </a:defRPr>
+      </a:lvl1pPr>
+      <a:lvl2pPr marL="457200" algn="l" defTabSz="914400" rtl="0" eaLnBrk="1" latinLnBrk="0" hangingPunct="1">
+        <a:defRPr sz="1800" kern="1200">
+          <a:solidFill>
+            <a:schemeClr val="tx1"/>
+          </a:solidFill>
+          <a:latin typeface="+mn-lt"/>
+          <a:ea typeface="+mn-ea"/>
+          <a:cs typeface="+mn-cs"/>
+        </a:defRPr>
+      </a:lvl2pPr>
+      <a:lvl3pPr marL="914400" algn="l" defTabSz="914400" rtl="0" eaLnBrk="1" latinLnBrk="0" hangingPunct="1">
+        <a:defRPr sz="1800" kern="1200">
+          <a:solidFill>
+            <a:schemeClr val="tx1"/>
+          </a:solidFill>
+          <a:latin typeface="+mn-lt"/>
+          <a:ea typeface="+mn-ea"/>
+          <a:cs typeface="+mn-cs"/>
+        </a:defRPr>
+      </a:lvl3pPr>
+      <a:lvl4pPr marL="1371600" algn="l" defTabSz="914400" rtl="0" eaLnBrk="1" latinLnBrk="0" hangingPunct="1">
+        <a:defRPr sz="1800" kern="1200">
+          <a:solidFill>
+            <a:schemeClr val="tx1"/>
+          </a:solidFill>
+          <a:latin typeface="+mn-lt"/>
+          <a:ea typeface="+mn-ea"/>
+          <a:cs typeface="+mn-cs"/>
+        </a:defRPr>
+      </a:lvl4pPr>
+      <a:lvl5pPr marL="1828800" algn="l" defTabSz="914400" rtl="0" eaLnBrk="1" latinLnBrk="0" hangingPunct="1">
+        <a:defRPr sz="1800" kern="1200">
+          <a:solidFill>
+            <a:schemeClr val="tx1"/>
+          </a:solidFill>
+          <a:latin typeface="+mn-lt"/>
+          <a:ea typeface="+mn-ea"/>
+          <a:cs typeface="+mn-cs"/>
+        </a:defRPr>
+      </a:lvl5pPr>
+      <a:lvl6pPr marL="2286000" algn="l" defTabSz="914400" rtl="0" eaLnBrk="1" latinLnBrk="0" hangingPunct="1">
+        <a:defRPr sz="1800" kern="1200">
+          <a:solidFill>
+            <a:schemeClr val="tx1"/>
+          </a:solidFill>
+          <a:latin typeface="+mn-lt"/>
+          <a:ea typeface="+mn-ea"/>
+          <a:cs typeface="+mn-cs"/>
+        </a:defRPr>
+      </a:lvl6pPr>
+      <a:lvl7pPr marL="2743200" algn="l" defTabSz="914400" rtl="0" eaLnBrk="1" latinLnBrk="0" hangingPunct="1">
+        <a:defRPr sz="1800" kern="1200">
+          <a:solidFill>
+            <a:schemeClr val="tx1"/>
+          </a:solidFill>
+          <a:latin typeface="+mn-lt"/>
+          <a:ea typeface="+mn-ea"/>
+          <a:cs typeface="+mn-cs"/>
+        </a:defRPr>
+      </a:lvl7pPr>
+      <a:lvl8pPr marL="3200400" algn="l" defTabSz="914400" rtl="0" eaLnBrk="1" latinLnBrk="0" hangingPunct="1">
+        <a:defRPr sz="1800" kern="1200">
+          <a:solidFill>
+            <a:schemeClr val="tx1"/>
+          </a:solidFill>
+          <a:latin typeface="+mn-lt"/>
+          <a:ea typeface="+mn-ea"/>
+          <a:cs typeface="+mn-cs"/>
+        </a:defRPr>
+      </a:lvl8pPr>
+      <a:lvl9pPr marL="3657600" algn="l" defTabSz="914400" rtl="0" eaLnBrk="1" latinLnBrk="0" hangingPunct="1">
+        <a:defRPr sz="1800" kern="1200">
+          <a:solidFill>
+            <a:schemeClr val="tx1"/>
+          </a:solidFill>
+          <a:latin typeface="+mn-lt"/>
+          <a:ea typeface="+mn-ea"/>
+          <a:cs typeface="+mn-cs"/>
+        </a:defRPr>
+      </a:lvl9pPr>
+    </p:otherStyle>
+  </p:txStyles>
 </p:sldMaster>
 </file>
 
 <file path=ppt/slides/slide1.xml><?xml version="1.0" encoding="utf-8"?>
-<p:sld xmlns:a="http://schemas.openxmlformats.org/drawingml/2006/main" xmlns:p="http://schemas.openxmlformats.org/presentationml/2006/main" xmlns:r="http://schemas.openxmlformats.org/officeDocument/2006/relationships" xmlns:p14="http://schemas.microsoft.com/office/powerpoint/2010/main" xmlns:p15="http://schemas.microsoft.com/office/powerpoint/2012/main" xmlns:mc="http://schemas.openxmlformats.org/markup-compatibility/2006">
+<p:sld xmlns:a="http://schemas.openxmlformats.org/drawingml/2006/main" xmlns:r="http://schemas.openxmlformats.org/officeDocument/2006/relationships" xmlns:p="http://schemas.openxmlformats.org/presentationml/2006/main">
   <p:cSld>
     <p:spTree>
       <p:nvGrpSpPr>
@@ -3364,6 +4143,186 @@
           <a:chExt cx="0" cy="0"/>
         </a:xfrm>
       </p:grpSpPr>
+      <p:pic>
+        <p:nvPicPr>
+          <p:cNvPr id="5" name="Picture 4">
+            <a:extLst>
+              <a:ext uri="{FF2B5EF4-FFF2-40B4-BE49-F238E27FC236}">
+                <a16:creationId xmlns:a16="http://schemas.microsoft.com/office/drawing/2014/main" id="{F0F4EDD2-AB27-417B-8D17-8D4079BA8954}"/>
+              </a:ext>
+            </a:extLst>
+          </p:cNvPr>
+          <p:cNvPicPr>
+            <a:picLocks noChangeAspect="1"/>
+          </p:cNvPicPr>
+          <p:nvPr/>
+        </p:nvPicPr>
+        <p:blipFill>
+          <a:blip r:embed="rId2"/>
+          <a:stretch>
+            <a:fillRect/>
+          </a:stretch>
+        </p:blipFill>
+        <p:spPr>
+          <a:xfrm>
+            <a:off x="819150" y="1576387"/>
+            <a:ext cx="10553700" cy="3705225"/>
+          </a:xfrm>
+          <a:prstGeom prst="rect">
+            <a:avLst/>
+          </a:prstGeom>
+        </p:spPr>
+      </p:pic>
+    </p:spTree>
+    <p:extLst>
+      <p:ext uri="{BB962C8B-B14F-4D97-AF65-F5344CB8AC3E}">
+        <p14:creationId xmlns:p14="http://schemas.microsoft.com/office/powerpoint/2010/main" val="737440773"/>
+      </p:ext>
+    </p:extLst>
+  </p:cSld>
+  <p:clrMapOvr>
+    <a:masterClrMapping/>
+  </p:clrMapOvr>
+</p:sld>
+</file>
+
+<file path=ppt/slides/slide2.xml><?xml version="1.0" encoding="utf-8"?>
+<p:sld xmlns:a="http://schemas.openxmlformats.org/drawingml/2006/main" xmlns:r="http://schemas.openxmlformats.org/officeDocument/2006/relationships" xmlns:p="http://schemas.openxmlformats.org/presentationml/2006/main">
+  <p:cSld>
+    <p:spTree>
+      <p:nvGrpSpPr>
+        <p:cNvPr id="1" name=""/>
+        <p:cNvGrpSpPr/>
+        <p:nvPr/>
+      </p:nvGrpSpPr>
+      <p:grpSpPr>
+        <a:xfrm>
+          <a:off x="0" y="0"/>
+          <a:ext cx="0" cy="0"/>
+          <a:chOff x="0" y="0"/>
+          <a:chExt cx="0" cy="0"/>
+        </a:xfrm>
+      </p:grpSpPr>
+      <p:pic>
+        <p:nvPicPr>
+          <p:cNvPr id="5" name="Picture 4">
+            <a:extLst>
+              <a:ext uri="{FF2B5EF4-FFF2-40B4-BE49-F238E27FC236}">
+                <a16:creationId xmlns:a16="http://schemas.microsoft.com/office/drawing/2014/main" id="{B7AF4858-3BDB-487D-884E-C8617BFBBC07}"/>
+              </a:ext>
+            </a:extLst>
+          </p:cNvPr>
+          <p:cNvPicPr>
+            <a:picLocks noChangeAspect="1"/>
+          </p:cNvPicPr>
+          <p:nvPr/>
+        </p:nvPicPr>
+        <p:blipFill>
+          <a:blip r:embed="rId2"/>
+          <a:stretch>
+            <a:fillRect/>
+          </a:stretch>
+        </p:blipFill>
+        <p:spPr>
+          <a:xfrm>
+            <a:off x="514528" y="829994"/>
+            <a:ext cx="11423154" cy="5499368"/>
+          </a:xfrm>
+          <a:prstGeom prst="rect">
+            <a:avLst/>
+          </a:prstGeom>
+        </p:spPr>
+      </p:pic>
+    </p:spTree>
+    <p:extLst>
+      <p:ext uri="{BB962C8B-B14F-4D97-AF65-F5344CB8AC3E}">
+        <p14:creationId xmlns:p14="http://schemas.microsoft.com/office/powerpoint/2010/main" val="987113621"/>
+      </p:ext>
+    </p:extLst>
+  </p:cSld>
+  <p:clrMapOvr>
+    <a:masterClrMapping/>
+  </p:clrMapOvr>
+</p:sld>
+</file>
+
+<file path=ppt/slides/slide3.xml><?xml version="1.0" encoding="utf-8"?>
+<p:sld xmlns:a="http://schemas.openxmlformats.org/drawingml/2006/main" xmlns:r="http://schemas.openxmlformats.org/officeDocument/2006/relationships" xmlns:p="http://schemas.openxmlformats.org/presentationml/2006/main">
+  <p:cSld>
+    <p:spTree>
+      <p:nvGrpSpPr>
+        <p:cNvPr id="1" name=""/>
+        <p:cNvGrpSpPr/>
+        <p:nvPr/>
+      </p:nvGrpSpPr>
+      <p:grpSpPr>
+        <a:xfrm>
+          <a:off x="0" y="0"/>
+          <a:ext cx="0" cy="0"/>
+          <a:chOff x="0" y="0"/>
+          <a:chExt cx="0" cy="0"/>
+        </a:xfrm>
+      </p:grpSpPr>
+      <p:pic>
+        <p:nvPicPr>
+          <p:cNvPr id="3" name="Picture 2">
+            <a:extLst>
+              <a:ext uri="{FF2B5EF4-FFF2-40B4-BE49-F238E27FC236}">
+                <a16:creationId xmlns:a16="http://schemas.microsoft.com/office/drawing/2014/main" id="{AA8A9FBF-E7D8-4348-BCD2-192358AD0CD0}"/>
+              </a:ext>
+            </a:extLst>
+          </p:cNvPr>
+          <p:cNvPicPr>
+            <a:picLocks noChangeAspect="1"/>
+          </p:cNvPicPr>
+          <p:nvPr/>
+        </p:nvPicPr>
+        <p:blipFill>
+          <a:blip r:embed="rId2"/>
+          <a:stretch>
+            <a:fillRect/>
+          </a:stretch>
+        </p:blipFill>
+        <p:spPr>
+          <a:xfrm>
+            <a:off x="608354" y="685800"/>
+            <a:ext cx="11175023" cy="5486400"/>
+          </a:xfrm>
+          <a:prstGeom prst="rect">
+            <a:avLst/>
+          </a:prstGeom>
+        </p:spPr>
+      </p:pic>
+    </p:spTree>
+    <p:extLst>
+      <p:ext uri="{BB962C8B-B14F-4D97-AF65-F5344CB8AC3E}">
+        <p14:creationId xmlns:p14="http://schemas.microsoft.com/office/powerpoint/2010/main" val="1368739295"/>
+      </p:ext>
+    </p:extLst>
+  </p:cSld>
+  <p:clrMapOvr>
+    <a:masterClrMapping/>
+  </p:clrMapOvr>
+</p:sld>
+</file>
+
+<file path=ppt/slides/slide4.xml><?xml version="1.0" encoding="utf-8"?>
+<p:sld xmlns:a="http://schemas.openxmlformats.org/drawingml/2006/main" xmlns:r="http://schemas.openxmlformats.org/officeDocument/2006/relationships" xmlns:p="http://schemas.openxmlformats.org/presentationml/2006/main">
+  <p:cSld>
+    <p:spTree>
+      <p:nvGrpSpPr>
+        <p:cNvPr id="1" name=""/>
+        <p:cNvGrpSpPr/>
+        <p:nvPr/>
+      </p:nvGrpSpPr>
+      <p:grpSpPr>
+        <a:xfrm>
+          <a:off x="0" y="0"/>
+          <a:ext cx="0" cy="0"/>
+          <a:chOff x="0" y="0"/>
+          <a:chExt cx="0" cy="0"/>
+        </a:xfrm>
+      </p:grpSpPr>
       <p:sp>
         <p:nvSpPr>
           <p:cNvPr id="78" name="TextBox 5"/>
@@ -3384,22 +4343,29 @@
           </a:ln>
         </p:spPr>
         <p:style>
-          <a:lnRef idx="0"/>
-          <a:fillRef idx="0"/>
-          <a:effectRef idx="0"/>
+          <a:lnRef idx="0">
+            <a:scrgbClr r="0" g="0" b="0"/>
+          </a:lnRef>
+          <a:fillRef idx="0">
+            <a:scrgbClr r="0" g="0" b="0"/>
+          </a:fillRef>
+          <a:effectRef idx="0">
+            <a:scrgbClr r="0" g="0" b="0"/>
+          </a:effectRef>
           <a:fontRef idx="minor"/>
         </p:style>
         <p:txBody>
-          <a:bodyPr lIns="90000" rIns="90000" tIns="45000" bIns="45000">
+          <a:bodyPr lIns="90000" tIns="45000" rIns="90000" bIns="45000">
             <a:spAutoFit/>
           </a:bodyPr>
+          <a:lstStyle/>
           <a:p>
             <a:pPr>
               <a:lnSpc>
                 <a:spcPct val="100000"/>
               </a:lnSpc>
             </a:pPr>
-            <a:endParaRPr b="0" lang="en-US" sz="1800" spc="-1" strike="noStrike">
+            <a:endParaRPr lang="en-US" sz="1800" b="0" strike="noStrike" spc="-1">
               <a:latin typeface="Arial"/>
             </a:endParaRPr>
           </a:p>
@@ -3409,7 +4375,7 @@
                 <a:spcPct val="100000"/>
               </a:lnSpc>
             </a:pPr>
-            <a:endParaRPr b="0" lang="en-US" sz="1800" spc="-1" strike="noStrike">
+            <a:endParaRPr lang="en-US" sz="1800" b="0" strike="noStrike" spc="-1">
               <a:latin typeface="Arial"/>
             </a:endParaRPr>
           </a:p>
@@ -3419,7 +4385,7 @@
                 <a:spcPct val="100000"/>
               </a:lnSpc>
             </a:pPr>
-            <a:endParaRPr b="0" lang="en-US" sz="1800" spc="-1" strike="noStrike">
+            <a:endParaRPr lang="en-US" sz="1800" b="0" strike="noStrike" spc="-1">
               <a:latin typeface="Arial"/>
             </a:endParaRPr>
           </a:p>
@@ -3429,15 +4395,15 @@
                 <a:spcPct val="100000"/>
               </a:lnSpc>
             </a:pPr>
-            <a:endParaRPr b="0" lang="en-US" sz="1800" spc="-1" strike="noStrike">
-              <a:latin typeface="Arial"/>
-            </a:endParaRPr>
-          </a:p>
-        </p:txBody>
-      </p:sp>
-      <p:sp>
-        <p:nvSpPr>
-          <p:cNvPr id="79" name=""/>
+            <a:endParaRPr lang="en-US" sz="1800" b="0" strike="noStrike" spc="-1">
+              <a:latin typeface="Arial"/>
+            </a:endParaRPr>
+          </a:p>
+        </p:txBody>
+      </p:sp>
+      <p:sp>
+        <p:nvSpPr>
+          <p:cNvPr id="79" name="Rectangle 78"/>
           <p:cNvSpPr/>
           <p:nvPr/>
         </p:nvSpPr>
@@ -3455,15 +4421,22 @@
           </a:ln>
         </p:spPr>
         <p:style>
-          <a:lnRef idx="0"/>
-          <a:fillRef idx="0"/>
-          <a:effectRef idx="0"/>
+          <a:lnRef idx="0">
+            <a:scrgbClr r="0" g="0" b="0"/>
+          </a:lnRef>
+          <a:fillRef idx="0">
+            <a:scrgbClr r="0" g="0" b="0"/>
+          </a:fillRef>
+          <a:effectRef idx="0">
+            <a:scrgbClr r="0" g="0" b="0"/>
+          </a:effectRef>
           <a:fontRef idx="minor"/>
         </p:style>
         <p:txBody>
-          <a:bodyPr lIns="90000" rIns="90000" tIns="45000" bIns="45000">
+          <a:bodyPr lIns="90000" tIns="45000" rIns="90000" bIns="45000">
             <a:noAutofit/>
           </a:bodyPr>
+          <a:lstStyle/>
           <a:p>
             <a:pPr>
               <a:lnSpc>
@@ -3471,7 +4444,7 @@
               </a:lnSpc>
             </a:pPr>
             <a:r>
-              <a:rPr b="1" lang="en-US" sz="1800" spc="-1" strike="noStrike">
+              <a:rPr lang="en-US" sz="1800" b="1" strike="noStrike" spc="-1">
                 <a:solidFill>
                   <a:srgbClr val="000000"/>
                 </a:solidFill>
@@ -3480,7 +4453,7 @@
               </a:rPr>
               <a:t>How can you ensure there are at least 3 pod instances are always available running at point in time?</a:t>
             </a:r>
-            <a:endParaRPr b="0" lang="en-US" sz="1800" spc="-1" strike="noStrike">
+            <a:endParaRPr lang="en-US" sz="1800" b="0" strike="noStrike" spc="-1">
               <a:latin typeface="Arial"/>
             </a:endParaRPr>
           </a:p>
@@ -3488,12 +4461,12 @@
       </p:sp>
       <p:pic>
         <p:nvPicPr>
-          <p:cNvPr id="80" name="" descr=""/>
+          <p:cNvPr id="80" name="Picture 79"/>
           <p:cNvPicPr/>
           <p:nvPr/>
         </p:nvPicPr>
         <p:blipFill>
-          <a:blip r:embed="rId1"/>
+          <a:blip r:embed="rId2"/>
           <a:stretch/>
         </p:blipFill>
         <p:spPr>
@@ -3511,7 +4484,7 @@
       </p:pic>
       <p:sp>
         <p:nvSpPr>
-          <p:cNvPr id="81" name=""/>
+          <p:cNvPr id="81" name="TextBox 80"/>
           <p:cNvSpPr txBox="1"/>
           <p:nvPr/>
         </p:nvSpPr>
@@ -3529,43 +4502,33 @@
           </a:ln>
         </p:spPr>
         <p:txBody>
-          <a:bodyPr lIns="90000" rIns="90000" tIns="45000" bIns="45000">
+          <a:bodyPr lIns="90000" tIns="45000" rIns="90000" bIns="45000">
             <a:noAutofit/>
           </a:bodyPr>
+          <a:lstStyle/>
           <a:p>
             <a:r>
-              <a:rPr b="0" lang="en-US" sz="1800" spc="-1" strike="noStrike">
+              <a:rPr lang="en-US" sz="1800" b="0" strike="noStrike" spc="-1">
                 <a:latin typeface="Arial"/>
               </a:rPr>
               <a:t>Set-based Supports: Job, Deployment, Relica set and Damoset</a:t>
             </a:r>
-            <a:endParaRPr b="0" lang="en-US" sz="1800" spc="-1" strike="noStrike">
-              <a:latin typeface="Arial"/>
-            </a:endParaRPr>
           </a:p>
           <a:p>
             <a:r>
-              <a:rPr b="0" lang="en-US" sz="1800" spc="-1" strike="noStrike">
+              <a:rPr lang="en-US" sz="1800" b="0" strike="noStrike" spc="-1">
                 <a:latin typeface="Arial"/>
               </a:rPr>
               <a:t>Equality-based Supports: Services, Replication controller</a:t>
             </a:r>
-            <a:endParaRPr b="0" lang="en-US" sz="1800" spc="-1" strike="noStrike">
-              <a:latin typeface="Arial"/>
-            </a:endParaRPr>
           </a:p>
         </p:txBody>
       </p:sp>
     </p:spTree>
   </p:cSld>
-  <mc:AlternateContent>
-    <mc:Choice Requires="p14">
-      <p:transition spd="slow" p14:dur="2000"/>
-    </mc:Choice>
-    <mc:Fallback>
-      <p:transition spd="slow"/>
-    </mc:Fallback>
-  </mc:AlternateContent>
+  <p:clrMapOvr>
+    <a:masterClrMapping/>
+  </p:clrMapOvr>
 </p:sld>
 </file>
 
@@ -3580,34 +4543,34 @@
         <a:sysClr val="window" lastClr="FFFFFF"/>
       </a:lt1>
       <a:dk2>
-        <a:srgbClr val="44546a"/>
+        <a:srgbClr val="44546A"/>
       </a:dk2>
       <a:lt2>
-        <a:srgbClr val="e7e6e6"/>
+        <a:srgbClr val="E7E6E6"/>
       </a:lt2>
       <a:accent1>
-        <a:srgbClr val="4472c4"/>
+        <a:srgbClr val="4472C4"/>
       </a:accent1>
       <a:accent2>
-        <a:srgbClr val="ed7d31"/>
+        <a:srgbClr val="ED7D31"/>
       </a:accent2>
       <a:accent3>
-        <a:srgbClr val="a5a5a5"/>
+        <a:srgbClr val="A5A5A5"/>
       </a:accent3>
       <a:accent4>
-        <a:srgbClr val="ffc000"/>
+        <a:srgbClr val="FFC000"/>
       </a:accent4>
       <a:accent5>
-        <a:srgbClr val="5b9bd5"/>
+        <a:srgbClr val="5B9BD5"/>
       </a:accent5>
       <a:accent6>
-        <a:srgbClr val="70ad47"/>
+        <a:srgbClr val="70AD47"/>
       </a:accent6>
       <a:hlink>
-        <a:srgbClr val="0563c1"/>
+        <a:srgbClr val="0563C1"/>
       </a:hlink>
       <a:folHlink>
-        <a:srgbClr val="954f72"/>
+        <a:srgbClr val="954F72"/>
       </a:folHlink>
     </a:clrScheme>
     <a:fontScheme name="Office">
@@ -3792,6 +4755,8 @@
       </a:bgFillStyleLst>
     </a:fmtScheme>
   </a:themeElements>
+  <a:objectDefaults/>
+  <a:extraClrSchemeLst/>
 </a:theme>
 </file>
 
@@ -3806,34 +4771,34 @@
         <a:sysClr val="window" lastClr="FFFFFF"/>
       </a:lt1>
       <a:dk2>
-        <a:srgbClr val="44546a"/>
+        <a:srgbClr val="44546A"/>
       </a:dk2>
       <a:lt2>
-        <a:srgbClr val="e7e6e6"/>
+        <a:srgbClr val="E7E6E6"/>
       </a:lt2>
       <a:accent1>
-        <a:srgbClr val="4472c4"/>
+        <a:srgbClr val="4472C4"/>
       </a:accent1>
       <a:accent2>
-        <a:srgbClr val="ed7d31"/>
+        <a:srgbClr val="ED7D31"/>
       </a:accent2>
       <a:accent3>
-        <a:srgbClr val="a5a5a5"/>
+        <a:srgbClr val="A5A5A5"/>
       </a:accent3>
       <a:accent4>
-        <a:srgbClr val="ffc000"/>
+        <a:srgbClr val="FFC000"/>
       </a:accent4>
       <a:accent5>
-        <a:srgbClr val="5b9bd5"/>
+        <a:srgbClr val="5B9BD5"/>
       </a:accent5>
       <a:accent6>
-        <a:srgbClr val="70ad47"/>
+        <a:srgbClr val="70AD47"/>
       </a:accent6>
       <a:hlink>
-        <a:srgbClr val="0563c1"/>
+        <a:srgbClr val="0563C1"/>
       </a:hlink>
       <a:folHlink>
-        <a:srgbClr val="954f72"/>
+        <a:srgbClr val="954F72"/>
       </a:folHlink>
     </a:clrScheme>
     <a:fontScheme name="Office">
@@ -4018,267 +4983,7 @@
       </a:bgFillStyleLst>
     </a:fmtScheme>
   </a:themeElements>
+  <a:objectDefaults/>
+  <a:extraClrSchemeLst/>
 </a:theme>
-</file>
-
-<file path=customXml/item1.xml><?xml version="1.0" encoding="utf-8"?>
-<ct:contentTypeSchema xmlns:ct="http://schemas.microsoft.com/office/2006/metadata/contentType" xmlns:ma="http://schemas.microsoft.com/office/2006/metadata/properties/metaAttributes" ct:_="" ma:_="" ma:contentTypeName="Document" ma:contentTypeID="0x010100EC4AC9618C104343ADAE8C84D0D9572A" ma:contentTypeVersion="10" ma:contentTypeDescription="Create a new document." ma:contentTypeScope="" ma:versionID="b4b595f356fdf4e1aed2b08e380797be">
-  <xsd:schema xmlns:xsd="http://www.w3.org/2001/XMLSchema" xmlns:xs="http://www.w3.org/2001/XMLSchema" xmlns:p="http://schemas.microsoft.com/office/2006/metadata/properties" xmlns:ns3="1be922bb-d13a-4b27-885a-8fe45218aa33" xmlns:ns4="8c65bd94-c9c9-4fa3-94d3-b0050c658f08" targetNamespace="http://schemas.microsoft.com/office/2006/metadata/properties" ma:root="true" ma:fieldsID="231a2136ae178caf5b368129c676a4df" ns3:_="" ns4:_="">
-    <xsd:import namespace="1be922bb-d13a-4b27-885a-8fe45218aa33"/>
-    <xsd:import namespace="8c65bd94-c9c9-4fa3-94d3-b0050c658f08"/>
-    <xsd:element name="properties">
-      <xsd:complexType>
-        <xsd:sequence>
-          <xsd:element name="documentManagement">
-            <xsd:complexType>
-              <xsd:all>
-                <xsd:element ref="ns3:MediaServiceMetadata" minOccurs="0"/>
-                <xsd:element ref="ns3:MediaServiceFastMetadata" minOccurs="0"/>
-                <xsd:element ref="ns4:SharedWithUsers" minOccurs="0"/>
-                <xsd:element ref="ns4:SharedWithDetails" minOccurs="0"/>
-                <xsd:element ref="ns4:SharingHintHash" minOccurs="0"/>
-                <xsd:element ref="ns3:MediaServiceDateTaken" minOccurs="0"/>
-                <xsd:element ref="ns3:MediaServiceAutoTags" minOccurs="0"/>
-                <xsd:element ref="ns3:MediaServiceOCR" minOccurs="0"/>
-                <xsd:element ref="ns3:MediaServiceGenerationTime" minOccurs="0"/>
-                <xsd:element ref="ns3:MediaServiceEventHashCode" minOccurs="0"/>
-              </xsd:all>
-            </xsd:complexType>
-          </xsd:element>
-        </xsd:sequence>
-      </xsd:complexType>
-    </xsd:element>
-  </xsd:schema>
-  <xsd:schema xmlns:xsd="http://www.w3.org/2001/XMLSchema" xmlns:xs="http://www.w3.org/2001/XMLSchema" xmlns:dms="http://schemas.microsoft.com/office/2006/documentManagement/types" xmlns:pc="http://schemas.microsoft.com/office/infopath/2007/PartnerControls" targetNamespace="1be922bb-d13a-4b27-885a-8fe45218aa33" elementFormDefault="qualified">
-    <xsd:import namespace="http://schemas.microsoft.com/office/2006/documentManagement/types"/>
-    <xsd:import namespace="http://schemas.microsoft.com/office/infopath/2007/PartnerControls"/>
-    <xsd:element name="MediaServiceMetadata" ma:index="8" nillable="true" ma:displayName="MediaServiceMetadata" ma:hidden="true" ma:internalName="MediaServiceMetadata" ma:readOnly="true">
-      <xsd:simpleType>
-        <xsd:restriction base="dms:Note"/>
-      </xsd:simpleType>
-    </xsd:element>
-    <xsd:element name="MediaServiceFastMetadata" ma:index="9" nillable="true" ma:displayName="MediaServiceFastMetadata" ma:hidden="true" ma:internalName="MediaServiceFastMetadata" ma:readOnly="true">
-      <xsd:simpleType>
-        <xsd:restriction base="dms:Note"/>
-      </xsd:simpleType>
-    </xsd:element>
-    <xsd:element name="MediaServiceDateTaken" ma:index="13" nillable="true" ma:displayName="MediaServiceDateTaken" ma:hidden="true" ma:internalName="MediaServiceDateTaken" ma:readOnly="true">
-      <xsd:simpleType>
-        <xsd:restriction base="dms:Text"/>
-      </xsd:simpleType>
-    </xsd:element>
-    <xsd:element name="MediaServiceAutoTags" ma:index="14" nillable="true" ma:displayName="Tags" ma:internalName="MediaServiceAutoTags" ma:readOnly="true">
-      <xsd:simpleType>
-        <xsd:restriction base="dms:Text"/>
-      </xsd:simpleType>
-    </xsd:element>
-    <xsd:element name="MediaServiceOCR" ma:index="15" nillable="true" ma:displayName="Extracted Text" ma:internalName="MediaServiceOCR" ma:readOnly="true">
-      <xsd:simpleType>
-        <xsd:restriction base="dms:Note">
-          <xsd:maxLength value="255"/>
-        </xsd:restriction>
-      </xsd:simpleType>
-    </xsd:element>
-    <xsd:element name="MediaServiceGenerationTime" ma:index="16" nillable="true" ma:displayName="MediaServiceGenerationTime" ma:hidden="true" ma:internalName="MediaServiceGenerationTime" ma:readOnly="true">
-      <xsd:simpleType>
-        <xsd:restriction base="dms:Text"/>
-      </xsd:simpleType>
-    </xsd:element>
-    <xsd:element name="MediaServiceEventHashCode" ma:index="17" nillable="true" ma:displayName="MediaServiceEventHashCode" ma:hidden="true" ma:internalName="MediaServiceEventHashCode" ma:readOnly="true">
-      <xsd:simpleType>
-        <xsd:restriction base="dms:Text"/>
-      </xsd:simpleType>
-    </xsd:element>
-  </xsd:schema>
-  <xsd:schema xmlns:xsd="http://www.w3.org/2001/XMLSchema" xmlns:xs="http://www.w3.org/2001/XMLSchema" xmlns:dms="http://schemas.microsoft.com/office/2006/documentManagement/types" xmlns:pc="http://schemas.microsoft.com/office/infopath/2007/PartnerControls" targetNamespace="8c65bd94-c9c9-4fa3-94d3-b0050c658f08" elementFormDefault="qualified">
-    <xsd:import namespace="http://schemas.microsoft.com/office/2006/documentManagement/types"/>
-    <xsd:import namespace="http://schemas.microsoft.com/office/infopath/2007/PartnerControls"/>
-    <xsd:element name="SharedWithUsers" ma:index="10" nillable="true" ma:displayName="Shared With" ma:internalName="SharedWithUsers" ma:readOnly="true">
-      <xsd:complexType>
-        <xsd:complexContent>
-          <xsd:extension base="dms:UserMulti">
-            <xsd:sequence>
-              <xsd:element name="UserInfo" minOccurs="0" maxOccurs="unbounded">
-                <xsd:complexType>
-                  <xsd:sequence>
-                    <xsd:element name="DisplayName" type="xsd:string" minOccurs="0"/>
-                    <xsd:element name="AccountId" type="dms:UserId" minOccurs="0" nillable="true"/>
-                    <xsd:element name="AccountType" type="xsd:string" minOccurs="0"/>
-                  </xsd:sequence>
-                </xsd:complexType>
-              </xsd:element>
-            </xsd:sequence>
-          </xsd:extension>
-        </xsd:complexContent>
-      </xsd:complexType>
-    </xsd:element>
-    <xsd:element name="SharedWithDetails" ma:index="11" nillable="true" ma:displayName="Shared With Details" ma:internalName="SharedWithDetails" ma:readOnly="true">
-      <xsd:simpleType>
-        <xsd:restriction base="dms:Note">
-          <xsd:maxLength value="255"/>
-        </xsd:restriction>
-      </xsd:simpleType>
-    </xsd:element>
-    <xsd:element name="SharingHintHash" ma:index="12" nillable="true" ma:displayName="Sharing Hint Hash" ma:hidden="true" ma:internalName="SharingHintHash" ma:readOnly="true">
-      <xsd:simpleType>
-        <xsd:restriction base="dms:Text"/>
-      </xsd:simpleType>
-    </xsd:element>
-  </xsd:schema>
-  <xsd:schema xmlns="http://schemas.openxmlformats.org/package/2006/metadata/core-properties" xmlns:xsd="http://www.w3.org/2001/XMLSchema" xmlns:xsi="http://www.w3.org/2001/XMLSchema-instance" xmlns:dc="http://purl.org/dc/elements/1.1/" xmlns:dcterms="http://purl.org/dc/terms/" xmlns:odoc="http://schemas.microsoft.com/internal/obd" targetNamespace="http://schemas.openxmlformats.org/package/2006/metadata/core-properties" elementFormDefault="qualified" attributeFormDefault="unqualified" blockDefault="#all">
-    <xsd:import namespace="http://purl.org/dc/elements/1.1/" schemaLocation="http://dublincore.org/schemas/xmls/qdc/2003/04/02/dc.xsd"/>
-    <xsd:import namespace="http://purl.org/dc/terms/" schemaLocation="http://dublincore.org/schemas/xmls/qdc/2003/04/02/dcterms.xsd"/>
-    <xsd:element name="coreProperties" type="CT_coreProperties"/>
-    <xsd:complexType name="CT_coreProperties">
-      <xsd:all>
-        <xsd:element ref="dc:creator" minOccurs="0" maxOccurs="1"/>
-        <xsd:element ref="dcterms:created" minOccurs="0" maxOccurs="1"/>
-        <xsd:element ref="dc:identifier" minOccurs="0" maxOccurs="1"/>
-        <xsd:element name="contentType" minOccurs="0" maxOccurs="1" type="xsd:string" ma:index="0" ma:displayName="Content Type"/>
-        <xsd:element ref="dc:title" minOccurs="0" maxOccurs="1" ma:index="4" ma:displayName="Title"/>
-        <xsd:element ref="dc:subject" minOccurs="0" maxOccurs="1"/>
-        <xsd:element ref="dc:description" minOccurs="0" maxOccurs="1"/>
-        <xsd:element name="keywords" minOccurs="0" maxOccurs="1" type="xsd:string"/>
-        <xsd:element ref="dc:language" minOccurs="0" maxOccurs="1"/>
-        <xsd:element name="category" minOccurs="0" maxOccurs="1" type="xsd:string"/>
-        <xsd:element name="version" minOccurs="0" maxOccurs="1" type="xsd:string"/>
-        <xsd:element name="revision" minOccurs="0" maxOccurs="1" type="xsd:string">
-          <xsd:annotation>
-            <xsd:documentation>
-                        This value indicates the number of saves or revisions. The application is responsible for updating this value after each revision.
-                    </xsd:documentation>
-          </xsd:annotation>
-        </xsd:element>
-        <xsd:element name="lastModifiedBy" minOccurs="0" maxOccurs="1" type="xsd:string"/>
-        <xsd:element ref="dcterms:modified" minOccurs="0" maxOccurs="1"/>
-        <xsd:element name="contentStatus" minOccurs="0" maxOccurs="1" type="xsd:string"/>
-      </xsd:all>
-    </xsd:complexType>
-  </xsd:schema>
-  <xs:schema xmlns:pc="http://schemas.microsoft.com/office/infopath/2007/PartnerControls" xmlns:xs="http://www.w3.org/2001/XMLSchema" targetNamespace="http://schemas.microsoft.com/office/infopath/2007/PartnerControls" elementFormDefault="qualified" attributeFormDefault="unqualified">
-    <xs:element name="Person">
-      <xs:complexType>
-        <xs:sequence>
-          <xs:element ref="pc:DisplayName" minOccurs="0"/>
-          <xs:element ref="pc:AccountId" minOccurs="0"/>
-          <xs:element ref="pc:AccountType" minOccurs="0"/>
-        </xs:sequence>
-      </xs:complexType>
-    </xs:element>
-    <xs:element name="DisplayName" type="xs:string"/>
-    <xs:element name="AccountId" type="xs:string"/>
-    <xs:element name="AccountType" type="xs:string"/>
-    <xs:element name="BDCAssociatedEntity">
-      <xs:complexType>
-        <xs:sequence>
-          <xs:element ref="pc:BDCEntity" minOccurs="0" maxOccurs="unbounded"/>
-        </xs:sequence>
-        <xs:attribute ref="pc:EntityNamespace"/>
-        <xs:attribute ref="pc:EntityName"/>
-        <xs:attribute ref="pc:SystemInstanceName"/>
-        <xs:attribute ref="pc:AssociationName"/>
-      </xs:complexType>
-    </xs:element>
-    <xs:attribute name="EntityNamespace" type="xs:string"/>
-    <xs:attribute name="EntityName" type="xs:string"/>
-    <xs:attribute name="SystemInstanceName" type="xs:string"/>
-    <xs:attribute name="AssociationName" type="xs:string"/>
-    <xs:element name="BDCEntity">
-      <xs:complexType>
-        <xs:sequence>
-          <xs:element ref="pc:EntityDisplayName" minOccurs="0"/>
-          <xs:element ref="pc:EntityInstanceReference" minOccurs="0"/>
-          <xs:element ref="pc:EntityId1" minOccurs="0"/>
-          <xs:element ref="pc:EntityId2" minOccurs="0"/>
-          <xs:element ref="pc:EntityId3" minOccurs="0"/>
-          <xs:element ref="pc:EntityId4" minOccurs="0"/>
-          <xs:element ref="pc:EntityId5" minOccurs="0"/>
-        </xs:sequence>
-      </xs:complexType>
-    </xs:element>
-    <xs:element name="EntityDisplayName" type="xs:string"/>
-    <xs:element name="EntityInstanceReference" type="xs:string"/>
-    <xs:element name="EntityId1" type="xs:string"/>
-    <xs:element name="EntityId2" type="xs:string"/>
-    <xs:element name="EntityId3" type="xs:string"/>
-    <xs:element name="EntityId4" type="xs:string"/>
-    <xs:element name="EntityId5" type="xs:string"/>
-    <xs:element name="Terms">
-      <xs:complexType>
-        <xs:sequence>
-          <xs:element ref="pc:TermInfo" minOccurs="0" maxOccurs="unbounded"/>
-        </xs:sequence>
-      </xs:complexType>
-    </xs:element>
-    <xs:element name="TermInfo">
-      <xs:complexType>
-        <xs:sequence>
-          <xs:element ref="pc:TermName" minOccurs="0"/>
-          <xs:element ref="pc:TermId" minOccurs="0"/>
-        </xs:sequence>
-      </xs:complexType>
-    </xs:element>
-    <xs:element name="TermName" type="xs:string"/>
-    <xs:element name="TermId" type="xs:string"/>
-  </xs:schema>
-</ct:contentTypeSchema>
-</file>
-
-<file path=customXml/item2.xml><?xml version="1.0" encoding="utf-8"?>
-<?mso-contentType ?>
-<FormTemplates xmlns="http://schemas.microsoft.com/sharepoint/v3/contenttype/forms">
-  <Display>DocumentLibraryForm</Display>
-  <Edit>DocumentLibraryForm</Edit>
-  <New>DocumentLibraryForm</New>
-</FormTemplates>
-</file>
-
-<file path=customXml/item3.xml><?xml version="1.0" encoding="utf-8"?>
-<p:properties xmlns:p="http://schemas.microsoft.com/office/2006/metadata/properties" xmlns:xsi="http://www.w3.org/2001/XMLSchema-instance" xmlns:pc="http://schemas.microsoft.com/office/infopath/2007/PartnerControls">
-  <documentManagement/>
-</p:properties>
-</file>
-
-<file path=customXml/itemProps1.xml><?xml version="1.0" encoding="utf-8"?>
-<ds:datastoreItem xmlns:ds="http://schemas.openxmlformats.org/officeDocument/2006/customXml" ds:itemID="{C1EEF8B7-9EBC-4EC1-8A4E-9FAD2D568311}">
-  <ds:schemaRefs>
-    <ds:schemaRef ds:uri="http://schemas.microsoft.com/office/2006/metadata/contentType"/>
-    <ds:schemaRef ds:uri="http://schemas.microsoft.com/office/2006/metadata/properties/metaAttributes"/>
-    <ds:schemaRef ds:uri="http://www.w3.org/2001/XMLSchema"/>
-    <ds:schemaRef ds:uri="http://schemas.microsoft.com/office/2006/metadata/properties"/>
-    <ds:schemaRef ds:uri="1be922bb-d13a-4b27-885a-8fe45218aa33"/>
-    <ds:schemaRef ds:uri="8c65bd94-c9c9-4fa3-94d3-b0050c658f08"/>
-    <ds:schemaRef ds:uri="http://schemas.microsoft.com/office/2006/documentManagement/types"/>
-    <ds:schemaRef ds:uri="http://schemas.microsoft.com/office/infopath/2007/PartnerControls"/>
-    <ds:schemaRef ds:uri="http://schemas.openxmlformats.org/package/2006/metadata/core-properties"/>
-    <ds:schemaRef ds:uri="http://purl.org/dc/elements/1.1/"/>
-    <ds:schemaRef ds:uri="http://purl.org/dc/terms/"/>
-    <ds:schemaRef ds:uri="http://schemas.microsoft.com/internal/obd"/>
-  </ds:schemaRefs>
-</ds:datastoreItem>
-</file>
-
-<file path=customXml/itemProps2.xml><?xml version="1.0" encoding="utf-8"?>
-<ds:datastoreItem xmlns:ds="http://schemas.openxmlformats.org/officeDocument/2006/customXml" ds:itemID="{4D4A239C-6C64-4D6E-A487-52DA58FDE92E}">
-  <ds:schemaRefs>
-    <ds:schemaRef ds:uri="http://schemas.microsoft.com/sharepoint/v3/contenttype/forms"/>
-  </ds:schemaRefs>
-</ds:datastoreItem>
-</file>
-
-<file path=customXml/itemProps3.xml><?xml version="1.0" encoding="utf-8"?>
-<ds:datastoreItem xmlns:ds="http://schemas.openxmlformats.org/officeDocument/2006/customXml" ds:itemID="{9A77E927-B9B4-4654-96E0-3D7B737283A2}">
-  <ds:schemaRefs>
-    <ds:schemaRef ds:uri="http://purl.org/dc/terms/"/>
-    <ds:schemaRef ds:uri="http://schemas.openxmlformats.org/package/2006/metadata/core-properties"/>
-    <ds:schemaRef ds:uri="http://purl.org/dc/dcmitype/"/>
-    <ds:schemaRef ds:uri="http://schemas.microsoft.com/office/infopath/2007/PartnerControls"/>
-    <ds:schemaRef ds:uri="http://purl.org/dc/elements/1.1/"/>
-    <ds:schemaRef ds:uri="http://schemas.microsoft.com/office/2006/metadata/properties"/>
-    <ds:schemaRef ds:uri="http://schemas.microsoft.com/office/2006/documentManagement/types"/>
-    <ds:schemaRef ds:uri="8c65bd94-c9c9-4fa3-94d3-b0050c658f08"/>
-    <ds:schemaRef ds:uri="1be922bb-d13a-4b27-885a-8fe45218aa33"/>
-    <ds:schemaRef ds:uri="http://www.w3.org/XML/1998/namespace"/>
-  </ds:schemaRefs>
-</ds:datastoreItem>
 </file>